--- a/Research/____ISSTA 26/Fig_Test_Plan_Structure.pptx
+++ b/Research/____ISSTA 26/Fig_Test_Plan_Structure.pptx
@@ -3341,11 +3341,13 @@
         </p:nvSpPr>
         <p:spPr>
           <a:xfrm>
-            <a:off x="2465596" y="1873250"/>
-            <a:ext cx="4436854" cy="1523724"/>
+            <a:off x="4524021" y="1737179"/>
+            <a:ext cx="4436854" cy="1585987"/>
           </a:xfrm>
           <a:prstGeom prst="roundRect">
-            <a:avLst/>
+            <a:avLst>
+              <a:gd name="adj" fmla="val 10000"/>
+            </a:avLst>
           </a:prstGeom>
         </p:spPr>
         <p:style>
@@ -3368,7 +3370,7 @@
           <a:p>
             <a:pPr algn="ctr">
               <a:lnSpc>
-                <a:spcPts val="2000"/>
+                <a:spcPts val="2200"/>
               </a:lnSpc>
             </a:pPr>
             <a:r>
@@ -3399,11 +3401,13 @@
         </p:nvSpPr>
         <p:spPr>
           <a:xfrm>
-            <a:off x="2555463" y="2297044"/>
+            <a:off x="4613888" y="2223236"/>
             <a:ext cx="2634974" cy="932070"/>
           </a:xfrm>
           <a:prstGeom prst="roundRect">
-            <a:avLst/>
+            <a:avLst>
+              <a:gd name="adj" fmla="val 12000"/>
+            </a:avLst>
           </a:prstGeom>
         </p:spPr>
         <p:style>
@@ -3457,11 +3461,13 @@
         </p:nvSpPr>
         <p:spPr>
           <a:xfrm>
-            <a:off x="5289830" y="2297044"/>
+            <a:off x="7348255" y="2223236"/>
             <a:ext cx="321983" cy="932070"/>
           </a:xfrm>
           <a:prstGeom prst="roundRect">
-            <a:avLst/>
+            <a:avLst>
+              <a:gd name="adj" fmla="val 12000"/>
+            </a:avLst>
           </a:prstGeom>
         </p:spPr>
         <p:style>
@@ -3508,11 +3514,13 @@
         </p:nvSpPr>
         <p:spPr>
           <a:xfrm>
-            <a:off x="5677180" y="2297044"/>
+            <a:off x="7735605" y="2223236"/>
             <a:ext cx="321983" cy="932070"/>
           </a:xfrm>
           <a:prstGeom prst="roundRect">
-            <a:avLst/>
+            <a:avLst>
+              <a:gd name="adj" fmla="val 12000"/>
+            </a:avLst>
           </a:prstGeom>
         </p:spPr>
         <p:style>
@@ -3559,11 +3567,13 @@
         </p:nvSpPr>
         <p:spPr>
           <a:xfrm>
-            <a:off x="6078538" y="2297044"/>
+            <a:off x="8136963" y="2223236"/>
             <a:ext cx="321983" cy="932070"/>
           </a:xfrm>
           <a:prstGeom prst="roundRect">
-            <a:avLst/>
+            <a:avLst>
+              <a:gd name="adj" fmla="val 12000"/>
+            </a:avLst>
           </a:prstGeom>
         </p:spPr>
         <p:style>
@@ -3610,11 +3620,13 @@
         </p:nvSpPr>
         <p:spPr>
           <a:xfrm>
-            <a:off x="6465888" y="2297044"/>
+            <a:off x="8524313" y="2223236"/>
             <a:ext cx="321983" cy="932070"/>
           </a:xfrm>
           <a:prstGeom prst="roundRect">
-            <a:avLst/>
+            <a:avLst>
+              <a:gd name="adj" fmla="val 12000"/>
+            </a:avLst>
           </a:prstGeom>
         </p:spPr>
         <p:style>
@@ -3661,7 +3673,7 @@
         </p:nvSpPr>
         <p:spPr>
           <a:xfrm>
-            <a:off x="2637186" y="2706759"/>
+            <a:off x="4695611" y="2632951"/>
             <a:ext cx="1510745" cy="404190"/>
           </a:xfrm>
           <a:prstGeom prst="roundRect">
@@ -3719,7 +3731,7 @@
         </p:nvSpPr>
         <p:spPr>
           <a:xfrm flipH="1">
-            <a:off x="4213297" y="2706759"/>
+            <a:off x="6271722" y="2632951"/>
             <a:ext cx="170319" cy="404190"/>
           </a:xfrm>
           <a:prstGeom prst="roundRect">
@@ -3770,7 +3782,7 @@
         </p:nvSpPr>
         <p:spPr>
           <a:xfrm flipH="1">
-            <a:off x="4431314" y="2706759"/>
+            <a:off x="6489739" y="2632951"/>
             <a:ext cx="170319" cy="404190"/>
           </a:xfrm>
           <a:prstGeom prst="roundRect">
@@ -3821,7 +3833,7 @@
         </p:nvSpPr>
         <p:spPr>
           <a:xfrm flipH="1">
-            <a:off x="4649331" y="2706759"/>
+            <a:off x="6707756" y="2632951"/>
             <a:ext cx="170319" cy="404190"/>
           </a:xfrm>
           <a:prstGeom prst="roundRect">
@@ -3872,7 +3884,7 @@
         </p:nvSpPr>
         <p:spPr>
           <a:xfrm flipH="1">
-            <a:off x="4867348" y="2706759"/>
+            <a:off x="6925773" y="2632951"/>
             <a:ext cx="170319" cy="404190"/>
           </a:xfrm>
           <a:prstGeom prst="roundRect">
@@ -3930,7 +3942,7 @@
         <p:cNvPr id="1" name="">
           <a:extLst>
             <a:ext uri="{FF2B5EF4-FFF2-40B4-BE49-F238E27FC236}">
-              <a16:creationId xmlns:a16="http://schemas.microsoft.com/office/drawing/2014/main" id="{B68BB576-45CB-B2E3-07BE-7B4BB7C3CC6A}"/>
+              <a16:creationId xmlns:a16="http://schemas.microsoft.com/office/drawing/2014/main" id="{6712F004-A0F9-3149-1581-6A49BBE39F77}"/>
             </a:ext>
           </a:extLst>
         </p:cNvPr>
@@ -3947,10 +3959,10 @@
       </p:grpSpPr>
       <p:sp>
         <p:nvSpPr>
-          <p:cNvPr id="4" name="矩形: 圆角 3">
-            <a:extLst>
-              <a:ext uri="{FF2B5EF4-FFF2-40B4-BE49-F238E27FC236}">
-                <a16:creationId xmlns:a16="http://schemas.microsoft.com/office/drawing/2014/main" id="{3E03D613-B721-2489-D1CD-1FBC6CC394E7}"/>
+          <p:cNvPr id="44" name="矩形 43">
+            <a:extLst>
+              <a:ext uri="{FF2B5EF4-FFF2-40B4-BE49-F238E27FC236}">
+                <a16:creationId xmlns:a16="http://schemas.microsoft.com/office/drawing/2014/main" id="{9238B527-A1CC-6999-5292-19B24BF39DF7}"/>
               </a:ext>
             </a:extLst>
           </p:cNvPr>
@@ -3959,21 +3971,2099 @@
         </p:nvSpPr>
         <p:spPr>
           <a:xfrm>
-            <a:off x="2465596" y="1873250"/>
-            <a:ext cx="4436854" cy="1523724"/>
+            <a:off x="648963" y="1329636"/>
+            <a:ext cx="4810934" cy="2281580"/>
+          </a:xfrm>
+          <a:prstGeom prst="rect">
+            <a:avLst/>
+          </a:prstGeom>
+        </p:spPr>
+        <p:style>
+          <a:lnRef idx="1">
+            <a:schemeClr val="accent3"/>
+          </a:lnRef>
+          <a:fillRef idx="2">
+            <a:schemeClr val="accent3"/>
+          </a:fillRef>
+          <a:effectRef idx="1">
+            <a:schemeClr val="accent3"/>
+          </a:effectRef>
+          <a:fontRef idx="minor">
+            <a:schemeClr val="dk1"/>
+          </a:fontRef>
+        </p:style>
+        <p:txBody>
+          <a:bodyPr rtlCol="0" anchor="t"/>
+          <a:lstStyle/>
+          <a:p>
+            <a:pPr algn="ctr"/>
+            <a:r>
+              <a:rPr lang="en-US" altLang="zh-CN" sz="2000" b="1" dirty="0">
+                <a:latin typeface="Arial" panose="020B0604020202020204" pitchFamily="34" charset="0"/>
+                <a:cs typeface="Arial" panose="020B0604020202020204" pitchFamily="34" charset="0"/>
+              </a:rPr>
+              <a:t>Disk Storage</a:t>
+            </a:r>
+            <a:endParaRPr lang="zh-CN" altLang="en-US" sz="2000" b="1" dirty="0">
+              <a:latin typeface="Arial" panose="020B0604020202020204" pitchFamily="34" charset="0"/>
+              <a:cs typeface="Arial" panose="020B0604020202020204" pitchFamily="34" charset="0"/>
+            </a:endParaRPr>
+          </a:p>
+        </p:txBody>
+      </p:sp>
+      <p:sp>
+        <p:nvSpPr>
+          <p:cNvPr id="3" name="矩形 2">
+            <a:extLst>
+              <a:ext uri="{FF2B5EF4-FFF2-40B4-BE49-F238E27FC236}">
+                <a16:creationId xmlns:a16="http://schemas.microsoft.com/office/drawing/2014/main" id="{7F90BDD6-CE74-B89B-7AB0-A8AF9C18A5E6}"/>
+              </a:ext>
+            </a:extLst>
+          </p:cNvPr>
+          <p:cNvSpPr/>
+          <p:nvPr/>
+        </p:nvSpPr>
+        <p:spPr>
+          <a:xfrm>
+            <a:off x="5886247" y="1247912"/>
+            <a:ext cx="1919768" cy="2619513"/>
+          </a:xfrm>
+          <a:prstGeom prst="rect">
+            <a:avLst/>
+          </a:prstGeom>
+        </p:spPr>
+        <p:style>
+          <a:lnRef idx="1">
+            <a:schemeClr val="accent3"/>
+          </a:lnRef>
+          <a:fillRef idx="2">
+            <a:schemeClr val="accent3"/>
+          </a:fillRef>
+          <a:effectRef idx="1">
+            <a:schemeClr val="accent3"/>
+          </a:effectRef>
+          <a:fontRef idx="minor">
+            <a:schemeClr val="dk1"/>
+          </a:fontRef>
+        </p:style>
+        <p:txBody>
+          <a:bodyPr rtlCol="0" anchor="t"/>
+          <a:lstStyle/>
+          <a:p>
+            <a:pPr algn="ctr"/>
+            <a:r>
+              <a:rPr lang="en-US" altLang="zh-CN" sz="2000" b="1" dirty="0">
+                <a:latin typeface="Arial" panose="020B0604020202020204" pitchFamily="34" charset="0"/>
+                <a:cs typeface="Arial" panose="020B0604020202020204" pitchFamily="34" charset="0"/>
+              </a:rPr>
+              <a:t>Edit-time</a:t>
+            </a:r>
+            <a:endParaRPr lang="zh-CN" altLang="en-US" sz="2000" b="1" dirty="0">
+              <a:latin typeface="Arial" panose="020B0604020202020204" pitchFamily="34" charset="0"/>
+              <a:cs typeface="Arial" panose="020B0604020202020204" pitchFamily="34" charset="0"/>
+            </a:endParaRPr>
+          </a:p>
+        </p:txBody>
+      </p:sp>
+      <p:sp>
+        <p:nvSpPr>
+          <p:cNvPr id="5" name="矩形: 圆角 4">
+            <a:extLst>
+              <a:ext uri="{FF2B5EF4-FFF2-40B4-BE49-F238E27FC236}">
+                <a16:creationId xmlns:a16="http://schemas.microsoft.com/office/drawing/2014/main" id="{D105096C-7100-33B6-10D2-67EF1696D148}"/>
+              </a:ext>
+            </a:extLst>
+          </p:cNvPr>
+          <p:cNvSpPr/>
+          <p:nvPr/>
+        </p:nvSpPr>
+        <p:spPr>
+          <a:xfrm>
+            <a:off x="845952" y="1843013"/>
+            <a:ext cx="4436854" cy="1585987"/>
+          </a:xfrm>
+          <a:prstGeom prst="roundRect">
+            <a:avLst>
+              <a:gd name="adj" fmla="val 10000"/>
+            </a:avLst>
+          </a:prstGeom>
+          <a:gradFill rotWithShape="1">
+            <a:gsLst>
+              <a:gs pos="0">
+                <a:srgbClr val="99CB38">
+                  <a:satMod val="103000"/>
+                  <a:lumMod val="102000"/>
+                  <a:tint val="94000"/>
+                </a:srgbClr>
+              </a:gs>
+              <a:gs pos="50000">
+                <a:srgbClr val="99CB38">
+                  <a:satMod val="110000"/>
+                  <a:lumMod val="100000"/>
+                  <a:shade val="100000"/>
+                </a:srgbClr>
+              </a:gs>
+              <a:gs pos="100000">
+                <a:srgbClr val="99CB38">
+                  <a:lumMod val="99000"/>
+                  <a:satMod val="120000"/>
+                  <a:shade val="78000"/>
+                </a:srgbClr>
+              </a:gs>
+            </a:gsLst>
+            <a:lin ang="5400000" scaled="0"/>
+          </a:gradFill>
+          <a:ln>
+            <a:noFill/>
+          </a:ln>
+          <a:effectLst>
+            <a:outerShdw blurRad="57150" dist="19050" dir="5400000" algn="ctr" rotWithShape="0">
+              <a:srgbClr val="000000">
+                <a:alpha val="63000"/>
+              </a:srgbClr>
+            </a:outerShdw>
+          </a:effectLst>
+        </p:spPr>
+        <p:txBody>
+          <a:bodyPr vert="horz" rtlCol="0" anchor="t"/>
+          <a:lstStyle/>
+          <a:p>
+            <a:pPr marL="0" marR="0" lvl="0" indent="0" algn="ctr" defTabSz="914400" eaLnBrk="1" fontAlgn="auto" latinLnBrk="0" hangingPunct="1">
+              <a:lnSpc>
+                <a:spcPts val="2200"/>
+              </a:lnSpc>
+              <a:spcBef>
+                <a:spcPts val="0"/>
+              </a:spcBef>
+              <a:spcAft>
+                <a:spcPts val="0"/>
+              </a:spcAft>
+              <a:buClrTx/>
+              <a:buSzTx/>
+              <a:buFontTx/>
+              <a:buNone/>
+              <a:tabLst/>
+              <a:defRPr/>
+            </a:pPr>
+            <a:r>
+              <a:rPr kumimoji="0" lang="en-US" altLang="zh-CN" sz="2400" b="1" i="0" u="none" strike="noStrike" kern="0" cap="none" spc="0" normalizeH="0" baseline="0" noProof="0" dirty="0">
+                <a:ln>
+                  <a:noFill/>
+                </a:ln>
+                <a:solidFill>
+                  <a:prstClr val="white"/>
+                </a:solidFill>
+                <a:effectLst/>
+                <a:uLnTx/>
+                <a:uFillTx/>
+                <a:latin typeface="Times New Roman" panose="02020603050405020304" pitchFamily="18" charset="0"/>
+                <a:ea typeface="等线" panose="02010600030101010101" pitchFamily="2" charset="-122"/>
+                <a:cs typeface="Times New Roman" panose="02020603050405020304" pitchFamily="18" charset="0"/>
+              </a:rPr>
+              <a:t>Test Plan</a:t>
+            </a:r>
+            <a:endParaRPr kumimoji="0" lang="zh-CN" altLang="en-US" sz="2400" b="1" i="0" u="none" strike="noStrike" kern="0" cap="none" spc="0" normalizeH="0" baseline="0" noProof="0" dirty="0">
+              <a:ln>
+                <a:noFill/>
+              </a:ln>
+              <a:solidFill>
+                <a:prstClr val="white"/>
+              </a:solidFill>
+              <a:effectLst/>
+              <a:uLnTx/>
+              <a:uFillTx/>
+              <a:latin typeface="Times New Roman" panose="02020603050405020304" pitchFamily="18" charset="0"/>
+              <a:ea typeface="等线" panose="02010600030101010101" pitchFamily="2" charset="-122"/>
+              <a:cs typeface="Times New Roman" panose="02020603050405020304" pitchFamily="18" charset="0"/>
+            </a:endParaRPr>
+          </a:p>
+        </p:txBody>
+      </p:sp>
+      <p:sp>
+        <p:nvSpPr>
+          <p:cNvPr id="6" name="矩形: 圆角 5">
+            <a:extLst>
+              <a:ext uri="{FF2B5EF4-FFF2-40B4-BE49-F238E27FC236}">
+                <a16:creationId xmlns:a16="http://schemas.microsoft.com/office/drawing/2014/main" id="{3BD6A0A5-2ED4-951F-70E1-736D0A1A1F1B}"/>
+              </a:ext>
+            </a:extLst>
+          </p:cNvPr>
+          <p:cNvSpPr/>
+          <p:nvPr/>
+        </p:nvSpPr>
+        <p:spPr>
+          <a:xfrm>
+            <a:off x="935819" y="2329070"/>
+            <a:ext cx="2634974" cy="932070"/>
+          </a:xfrm>
+          <a:prstGeom prst="roundRect">
+            <a:avLst>
+              <a:gd name="adj" fmla="val 12000"/>
+            </a:avLst>
+          </a:prstGeom>
+          <a:gradFill rotWithShape="1">
+            <a:gsLst>
+              <a:gs pos="0">
+                <a:srgbClr val="44C1A3">
+                  <a:satMod val="103000"/>
+                  <a:lumMod val="102000"/>
+                  <a:tint val="94000"/>
+                </a:srgbClr>
+              </a:gs>
+              <a:gs pos="50000">
+                <a:srgbClr val="44C1A3">
+                  <a:satMod val="110000"/>
+                  <a:lumMod val="100000"/>
+                  <a:shade val="100000"/>
+                </a:srgbClr>
+              </a:gs>
+              <a:gs pos="100000">
+                <a:srgbClr val="44C1A3">
+                  <a:lumMod val="99000"/>
+                  <a:satMod val="120000"/>
+                  <a:shade val="78000"/>
+                </a:srgbClr>
+              </a:gs>
+            </a:gsLst>
+            <a:lin ang="5400000" scaled="0"/>
+          </a:gradFill>
+          <a:ln>
+            <a:noFill/>
+          </a:ln>
+          <a:effectLst>
+            <a:outerShdw blurRad="57150" dist="19050" dir="5400000" algn="ctr" rotWithShape="0">
+              <a:srgbClr val="000000">
+                <a:alpha val="63000"/>
+              </a:srgbClr>
+            </a:outerShdw>
+          </a:effectLst>
+        </p:spPr>
+        <p:txBody>
+          <a:bodyPr vert="horz" rtlCol="0" anchor="t"/>
+          <a:lstStyle/>
+          <a:p>
+            <a:pPr marL="0" marR="0" lvl="0" indent="0" algn="ctr" defTabSz="914400" eaLnBrk="1" fontAlgn="auto" latinLnBrk="0" hangingPunct="1">
+              <a:lnSpc>
+                <a:spcPts val="2000"/>
+              </a:lnSpc>
+              <a:spcBef>
+                <a:spcPts val="0"/>
+              </a:spcBef>
+              <a:spcAft>
+                <a:spcPts val="0"/>
+              </a:spcAft>
+              <a:buClrTx/>
+              <a:buSzTx/>
+              <a:buFontTx/>
+              <a:buNone/>
+              <a:tabLst/>
+              <a:defRPr/>
+            </a:pPr>
+            <a:r>
+              <a:rPr kumimoji="0" lang="en-US" altLang="zh-CN" sz="2000" b="1" i="0" u="none" strike="noStrike" kern="0" cap="none" spc="0" normalizeH="0" baseline="0" noProof="0" dirty="0">
+                <a:ln>
+                  <a:noFill/>
+                </a:ln>
+                <a:solidFill>
+                  <a:prstClr val="white"/>
+                </a:solidFill>
+                <a:effectLst/>
+                <a:uLnTx/>
+                <a:uFillTx/>
+                <a:latin typeface="Consolas" panose="020B0609020204030204" pitchFamily="49" charset="0"/>
+                <a:ea typeface="等线" panose="02010600030101010101" pitchFamily="2" charset="-122"/>
+                <a:cs typeface="Times New Roman" panose="02020603050405020304" pitchFamily="18" charset="0"/>
+              </a:rPr>
+              <a:t>Task Unit</a:t>
+            </a:r>
+            <a:endParaRPr kumimoji="0" lang="zh-CN" altLang="en-US" sz="2000" b="1" i="0" u="none" strike="noStrike" kern="0" cap="none" spc="0" normalizeH="0" baseline="0" noProof="0" dirty="0">
+              <a:ln>
+                <a:noFill/>
+              </a:ln>
+              <a:solidFill>
+                <a:prstClr val="white"/>
+              </a:solidFill>
+              <a:effectLst/>
+              <a:uLnTx/>
+              <a:uFillTx/>
+              <a:latin typeface="Consolas" panose="020B0609020204030204" pitchFamily="49" charset="0"/>
+              <a:ea typeface="等线" panose="02010600030101010101" pitchFamily="2" charset="-122"/>
+              <a:cs typeface="Times New Roman" panose="02020603050405020304" pitchFamily="18" charset="0"/>
+            </a:endParaRPr>
+          </a:p>
+        </p:txBody>
+      </p:sp>
+      <p:sp>
+        <p:nvSpPr>
+          <p:cNvPr id="14" name="矩形: 圆角 13">
+            <a:extLst>
+              <a:ext uri="{FF2B5EF4-FFF2-40B4-BE49-F238E27FC236}">
+                <a16:creationId xmlns:a16="http://schemas.microsoft.com/office/drawing/2014/main" id="{CB09F201-1A48-2D69-5FFD-3FE747986E75}"/>
+              </a:ext>
+            </a:extLst>
+          </p:cNvPr>
+          <p:cNvSpPr/>
+          <p:nvPr/>
+        </p:nvSpPr>
+        <p:spPr>
+          <a:xfrm>
+            <a:off x="3670186" y="2329070"/>
+            <a:ext cx="321983" cy="932070"/>
+          </a:xfrm>
+          <a:prstGeom prst="roundRect">
+            <a:avLst>
+              <a:gd name="adj" fmla="val 12000"/>
+            </a:avLst>
+          </a:prstGeom>
+          <a:gradFill rotWithShape="1">
+            <a:gsLst>
+              <a:gs pos="0">
+                <a:srgbClr val="44C1A3">
+                  <a:satMod val="103000"/>
+                  <a:lumMod val="102000"/>
+                  <a:tint val="94000"/>
+                </a:srgbClr>
+              </a:gs>
+              <a:gs pos="50000">
+                <a:srgbClr val="44C1A3">
+                  <a:satMod val="110000"/>
+                  <a:lumMod val="100000"/>
+                  <a:shade val="100000"/>
+                </a:srgbClr>
+              </a:gs>
+              <a:gs pos="100000">
+                <a:srgbClr val="44C1A3">
+                  <a:lumMod val="99000"/>
+                  <a:satMod val="120000"/>
+                  <a:shade val="78000"/>
+                </a:srgbClr>
+              </a:gs>
+            </a:gsLst>
+            <a:lin ang="5400000" scaled="0"/>
+          </a:gradFill>
+          <a:ln>
+            <a:noFill/>
+          </a:ln>
+          <a:effectLst>
+            <a:outerShdw blurRad="57150" dist="19050" dir="5400000" algn="ctr" rotWithShape="0">
+              <a:srgbClr val="000000">
+                <a:alpha val="63000"/>
+              </a:srgbClr>
+            </a:outerShdw>
+          </a:effectLst>
+        </p:spPr>
+        <p:txBody>
+          <a:bodyPr vert="horz" rtlCol="0" anchor="t"/>
+          <a:lstStyle/>
+          <a:p>
+            <a:pPr marL="0" marR="0" lvl="0" indent="0" algn="ctr" defTabSz="914400" eaLnBrk="1" fontAlgn="auto" latinLnBrk="0" hangingPunct="1">
+              <a:lnSpc>
+                <a:spcPts val="2000"/>
+              </a:lnSpc>
+              <a:spcBef>
+                <a:spcPts val="0"/>
+              </a:spcBef>
+              <a:spcAft>
+                <a:spcPts val="0"/>
+              </a:spcAft>
+              <a:buClrTx/>
+              <a:buSzTx/>
+              <a:buFontTx/>
+              <a:buNone/>
+              <a:tabLst/>
+              <a:defRPr/>
+            </a:pPr>
+            <a:endParaRPr kumimoji="0" lang="zh-CN" altLang="en-US" sz="2000" b="1" i="0" u="none" strike="noStrike" kern="0" cap="none" spc="0" normalizeH="0" baseline="0" noProof="0" dirty="0">
+              <a:ln>
+                <a:noFill/>
+              </a:ln>
+              <a:solidFill>
+                <a:prstClr val="white"/>
+              </a:solidFill>
+              <a:effectLst/>
+              <a:uLnTx/>
+              <a:uFillTx/>
+              <a:latin typeface="Consolas" panose="020B0609020204030204" pitchFamily="49" charset="0"/>
+              <a:ea typeface="等线" panose="02010600030101010101" pitchFamily="2" charset="-122"/>
+              <a:cs typeface="Times New Roman" panose="02020603050405020304" pitchFamily="18" charset="0"/>
+            </a:endParaRPr>
+          </a:p>
+        </p:txBody>
+      </p:sp>
+      <p:sp>
+        <p:nvSpPr>
+          <p:cNvPr id="15" name="矩形: 圆角 14">
+            <a:extLst>
+              <a:ext uri="{FF2B5EF4-FFF2-40B4-BE49-F238E27FC236}">
+                <a16:creationId xmlns:a16="http://schemas.microsoft.com/office/drawing/2014/main" id="{6F87906C-FAC8-8B25-88F4-551A336D19FE}"/>
+              </a:ext>
+            </a:extLst>
+          </p:cNvPr>
+          <p:cNvSpPr/>
+          <p:nvPr/>
+        </p:nvSpPr>
+        <p:spPr>
+          <a:xfrm>
+            <a:off x="4057536" y="2329070"/>
+            <a:ext cx="321983" cy="932070"/>
+          </a:xfrm>
+          <a:prstGeom prst="roundRect">
+            <a:avLst>
+              <a:gd name="adj" fmla="val 12000"/>
+            </a:avLst>
+          </a:prstGeom>
+          <a:gradFill rotWithShape="1">
+            <a:gsLst>
+              <a:gs pos="0">
+                <a:srgbClr val="44C1A3">
+                  <a:satMod val="103000"/>
+                  <a:lumMod val="102000"/>
+                  <a:tint val="94000"/>
+                </a:srgbClr>
+              </a:gs>
+              <a:gs pos="50000">
+                <a:srgbClr val="44C1A3">
+                  <a:satMod val="110000"/>
+                  <a:lumMod val="100000"/>
+                  <a:shade val="100000"/>
+                </a:srgbClr>
+              </a:gs>
+              <a:gs pos="100000">
+                <a:srgbClr val="44C1A3">
+                  <a:lumMod val="99000"/>
+                  <a:satMod val="120000"/>
+                  <a:shade val="78000"/>
+                </a:srgbClr>
+              </a:gs>
+            </a:gsLst>
+            <a:lin ang="5400000" scaled="0"/>
+          </a:gradFill>
+          <a:ln>
+            <a:noFill/>
+          </a:ln>
+          <a:effectLst>
+            <a:outerShdw blurRad="57150" dist="19050" dir="5400000" algn="ctr" rotWithShape="0">
+              <a:srgbClr val="000000">
+                <a:alpha val="63000"/>
+              </a:srgbClr>
+            </a:outerShdw>
+          </a:effectLst>
+        </p:spPr>
+        <p:txBody>
+          <a:bodyPr vert="horz" rtlCol="0" anchor="t"/>
+          <a:lstStyle/>
+          <a:p>
+            <a:pPr marL="0" marR="0" lvl="0" indent="0" algn="ctr" defTabSz="914400" eaLnBrk="1" fontAlgn="auto" latinLnBrk="0" hangingPunct="1">
+              <a:lnSpc>
+                <a:spcPts val="2000"/>
+              </a:lnSpc>
+              <a:spcBef>
+                <a:spcPts val="0"/>
+              </a:spcBef>
+              <a:spcAft>
+                <a:spcPts val="0"/>
+              </a:spcAft>
+              <a:buClrTx/>
+              <a:buSzTx/>
+              <a:buFontTx/>
+              <a:buNone/>
+              <a:tabLst/>
+              <a:defRPr/>
+            </a:pPr>
+            <a:endParaRPr kumimoji="0" lang="zh-CN" altLang="en-US" sz="2000" b="1" i="0" u="none" strike="noStrike" kern="0" cap="none" spc="0" normalizeH="0" baseline="0" noProof="0" dirty="0">
+              <a:ln>
+                <a:noFill/>
+              </a:ln>
+              <a:solidFill>
+                <a:prstClr val="white"/>
+              </a:solidFill>
+              <a:effectLst/>
+              <a:uLnTx/>
+              <a:uFillTx/>
+              <a:latin typeface="Consolas" panose="020B0609020204030204" pitchFamily="49" charset="0"/>
+              <a:ea typeface="等线" panose="02010600030101010101" pitchFamily="2" charset="-122"/>
+              <a:cs typeface="Times New Roman" panose="02020603050405020304" pitchFamily="18" charset="0"/>
+            </a:endParaRPr>
+          </a:p>
+        </p:txBody>
+      </p:sp>
+      <p:sp>
+        <p:nvSpPr>
+          <p:cNvPr id="16" name="矩形: 圆角 15">
+            <a:extLst>
+              <a:ext uri="{FF2B5EF4-FFF2-40B4-BE49-F238E27FC236}">
+                <a16:creationId xmlns:a16="http://schemas.microsoft.com/office/drawing/2014/main" id="{91808AFE-53C8-D136-C565-8BCC058A11A7}"/>
+              </a:ext>
+            </a:extLst>
+          </p:cNvPr>
+          <p:cNvSpPr/>
+          <p:nvPr/>
+        </p:nvSpPr>
+        <p:spPr>
+          <a:xfrm>
+            <a:off x="4458894" y="2329070"/>
+            <a:ext cx="321983" cy="932070"/>
+          </a:xfrm>
+          <a:prstGeom prst="roundRect">
+            <a:avLst>
+              <a:gd name="adj" fmla="val 12000"/>
+            </a:avLst>
+          </a:prstGeom>
+          <a:gradFill rotWithShape="1">
+            <a:gsLst>
+              <a:gs pos="0">
+                <a:srgbClr val="44C1A3">
+                  <a:satMod val="103000"/>
+                  <a:lumMod val="102000"/>
+                  <a:tint val="94000"/>
+                </a:srgbClr>
+              </a:gs>
+              <a:gs pos="50000">
+                <a:srgbClr val="44C1A3">
+                  <a:satMod val="110000"/>
+                  <a:lumMod val="100000"/>
+                  <a:shade val="100000"/>
+                </a:srgbClr>
+              </a:gs>
+              <a:gs pos="100000">
+                <a:srgbClr val="44C1A3">
+                  <a:lumMod val="99000"/>
+                  <a:satMod val="120000"/>
+                  <a:shade val="78000"/>
+                </a:srgbClr>
+              </a:gs>
+            </a:gsLst>
+            <a:lin ang="5400000" scaled="0"/>
+          </a:gradFill>
+          <a:ln>
+            <a:noFill/>
+          </a:ln>
+          <a:effectLst>
+            <a:outerShdw blurRad="57150" dist="19050" dir="5400000" algn="ctr" rotWithShape="0">
+              <a:srgbClr val="000000">
+                <a:alpha val="63000"/>
+              </a:srgbClr>
+            </a:outerShdw>
+          </a:effectLst>
+        </p:spPr>
+        <p:txBody>
+          <a:bodyPr vert="horz" rtlCol="0" anchor="t"/>
+          <a:lstStyle/>
+          <a:p>
+            <a:pPr marL="0" marR="0" lvl="0" indent="0" algn="ctr" defTabSz="914400" eaLnBrk="1" fontAlgn="auto" latinLnBrk="0" hangingPunct="1">
+              <a:lnSpc>
+                <a:spcPts val="2000"/>
+              </a:lnSpc>
+              <a:spcBef>
+                <a:spcPts val="0"/>
+              </a:spcBef>
+              <a:spcAft>
+                <a:spcPts val="0"/>
+              </a:spcAft>
+              <a:buClrTx/>
+              <a:buSzTx/>
+              <a:buFontTx/>
+              <a:buNone/>
+              <a:tabLst/>
+              <a:defRPr/>
+            </a:pPr>
+            <a:endParaRPr kumimoji="0" lang="zh-CN" altLang="en-US" sz="2000" b="1" i="0" u="none" strike="noStrike" kern="0" cap="none" spc="0" normalizeH="0" baseline="0" noProof="0" dirty="0">
+              <a:ln>
+                <a:noFill/>
+              </a:ln>
+              <a:solidFill>
+                <a:prstClr val="white"/>
+              </a:solidFill>
+              <a:effectLst/>
+              <a:uLnTx/>
+              <a:uFillTx/>
+              <a:latin typeface="Consolas" panose="020B0609020204030204" pitchFamily="49" charset="0"/>
+              <a:ea typeface="等线" panose="02010600030101010101" pitchFamily="2" charset="-122"/>
+              <a:cs typeface="Times New Roman" panose="02020603050405020304" pitchFamily="18" charset="0"/>
+            </a:endParaRPr>
+          </a:p>
+        </p:txBody>
+      </p:sp>
+      <p:sp>
+        <p:nvSpPr>
+          <p:cNvPr id="20" name="矩形: 圆角 19">
+            <a:extLst>
+              <a:ext uri="{FF2B5EF4-FFF2-40B4-BE49-F238E27FC236}">
+                <a16:creationId xmlns:a16="http://schemas.microsoft.com/office/drawing/2014/main" id="{B1F6A4C9-3473-012E-7F3B-23A9F8B78655}"/>
+              </a:ext>
+            </a:extLst>
+          </p:cNvPr>
+          <p:cNvSpPr/>
+          <p:nvPr/>
+        </p:nvSpPr>
+        <p:spPr>
+          <a:xfrm>
+            <a:off x="4846244" y="2329070"/>
+            <a:ext cx="321983" cy="932070"/>
+          </a:xfrm>
+          <a:prstGeom prst="roundRect">
+            <a:avLst>
+              <a:gd name="adj" fmla="val 12000"/>
+            </a:avLst>
+          </a:prstGeom>
+          <a:gradFill rotWithShape="1">
+            <a:gsLst>
+              <a:gs pos="0">
+                <a:srgbClr val="44C1A3">
+                  <a:satMod val="103000"/>
+                  <a:lumMod val="102000"/>
+                  <a:tint val="94000"/>
+                </a:srgbClr>
+              </a:gs>
+              <a:gs pos="50000">
+                <a:srgbClr val="44C1A3">
+                  <a:satMod val="110000"/>
+                  <a:lumMod val="100000"/>
+                  <a:shade val="100000"/>
+                </a:srgbClr>
+              </a:gs>
+              <a:gs pos="100000">
+                <a:srgbClr val="44C1A3">
+                  <a:lumMod val="99000"/>
+                  <a:satMod val="120000"/>
+                  <a:shade val="78000"/>
+                </a:srgbClr>
+              </a:gs>
+            </a:gsLst>
+            <a:lin ang="5400000" scaled="0"/>
+          </a:gradFill>
+          <a:ln>
+            <a:noFill/>
+          </a:ln>
+          <a:effectLst>
+            <a:outerShdw blurRad="57150" dist="19050" dir="5400000" algn="ctr" rotWithShape="0">
+              <a:srgbClr val="000000">
+                <a:alpha val="63000"/>
+              </a:srgbClr>
+            </a:outerShdw>
+          </a:effectLst>
+        </p:spPr>
+        <p:txBody>
+          <a:bodyPr vert="horz" rtlCol="0" anchor="t"/>
+          <a:lstStyle/>
+          <a:p>
+            <a:pPr marL="0" marR="0" lvl="0" indent="0" algn="ctr" defTabSz="914400" eaLnBrk="1" fontAlgn="auto" latinLnBrk="0" hangingPunct="1">
+              <a:lnSpc>
+                <a:spcPts val="2000"/>
+              </a:lnSpc>
+              <a:spcBef>
+                <a:spcPts val="0"/>
+              </a:spcBef>
+              <a:spcAft>
+                <a:spcPts val="0"/>
+              </a:spcAft>
+              <a:buClrTx/>
+              <a:buSzTx/>
+              <a:buFontTx/>
+              <a:buNone/>
+              <a:tabLst/>
+              <a:defRPr/>
+            </a:pPr>
+            <a:endParaRPr kumimoji="0" lang="zh-CN" altLang="en-US" sz="2000" b="1" i="0" u="none" strike="noStrike" kern="0" cap="none" spc="0" normalizeH="0" baseline="0" noProof="0" dirty="0">
+              <a:ln>
+                <a:noFill/>
+              </a:ln>
+              <a:solidFill>
+                <a:prstClr val="white"/>
+              </a:solidFill>
+              <a:effectLst/>
+              <a:uLnTx/>
+              <a:uFillTx/>
+              <a:latin typeface="Consolas" panose="020B0609020204030204" pitchFamily="49" charset="0"/>
+              <a:ea typeface="等线" panose="02010600030101010101" pitchFamily="2" charset="-122"/>
+              <a:cs typeface="Times New Roman" panose="02020603050405020304" pitchFamily="18" charset="0"/>
+            </a:endParaRPr>
+          </a:p>
+        </p:txBody>
+      </p:sp>
+      <p:sp>
+        <p:nvSpPr>
+          <p:cNvPr id="21" name="矩形: 圆角 20">
+            <a:extLst>
+              <a:ext uri="{FF2B5EF4-FFF2-40B4-BE49-F238E27FC236}">
+                <a16:creationId xmlns:a16="http://schemas.microsoft.com/office/drawing/2014/main" id="{DA9837E1-7018-30DA-0164-D055B0B8DE5F}"/>
+              </a:ext>
+            </a:extLst>
+          </p:cNvPr>
+          <p:cNvSpPr/>
+          <p:nvPr/>
+        </p:nvSpPr>
+        <p:spPr>
+          <a:xfrm>
+            <a:off x="1017542" y="2738785"/>
+            <a:ext cx="1510745" cy="404190"/>
           </a:xfrm>
           <a:prstGeom prst="roundRect">
             <a:avLst/>
           </a:prstGeom>
+          <a:gradFill rotWithShape="1">
+            <a:gsLst>
+              <a:gs pos="0">
+                <a:srgbClr val="51C3F9">
+                  <a:satMod val="103000"/>
+                  <a:lumMod val="102000"/>
+                  <a:tint val="94000"/>
+                </a:srgbClr>
+              </a:gs>
+              <a:gs pos="50000">
+                <a:srgbClr val="51C3F9">
+                  <a:satMod val="110000"/>
+                  <a:lumMod val="100000"/>
+                  <a:shade val="100000"/>
+                </a:srgbClr>
+              </a:gs>
+              <a:gs pos="100000">
+                <a:srgbClr val="51C3F9">
+                  <a:lumMod val="99000"/>
+                  <a:satMod val="120000"/>
+                  <a:shade val="78000"/>
+                </a:srgbClr>
+              </a:gs>
+            </a:gsLst>
+            <a:lin ang="5400000" scaled="0"/>
+          </a:gradFill>
+          <a:ln>
+            <a:noFill/>
+          </a:ln>
+          <a:effectLst>
+            <a:outerShdw blurRad="57150" dist="19050" dir="5400000" algn="ctr" rotWithShape="0">
+              <a:srgbClr val="000000">
+                <a:alpha val="63000"/>
+              </a:srgbClr>
+            </a:outerShdw>
+          </a:effectLst>
+        </p:spPr>
+        <p:txBody>
+          <a:bodyPr vert="horz" rtlCol="0" anchor="t"/>
+          <a:lstStyle/>
+          <a:p>
+            <a:pPr marL="0" marR="0" lvl="0" indent="0" algn="ctr" defTabSz="914400" eaLnBrk="1" fontAlgn="auto" latinLnBrk="0" hangingPunct="1">
+              <a:lnSpc>
+                <a:spcPts val="2000"/>
+              </a:lnSpc>
+              <a:spcBef>
+                <a:spcPts val="0"/>
+              </a:spcBef>
+              <a:spcAft>
+                <a:spcPts val="0"/>
+              </a:spcAft>
+              <a:buClrTx/>
+              <a:buSzTx/>
+              <a:buFontTx/>
+              <a:buNone/>
+              <a:tabLst/>
+              <a:defRPr/>
+            </a:pPr>
+            <a:r>
+              <a:rPr kumimoji="0" lang="en-US" altLang="zh-CN" sz="1600" b="1" i="0" u="none" strike="noStrike" kern="0" cap="none" spc="0" normalizeH="0" baseline="0" noProof="0" dirty="0">
+                <a:ln>
+                  <a:noFill/>
+                </a:ln>
+                <a:solidFill>
+                  <a:prstClr val="white"/>
+                </a:solidFill>
+                <a:effectLst/>
+                <a:uLnTx/>
+                <a:uFillTx/>
+                <a:latin typeface="Consolas" panose="020B0609020204030204" pitchFamily="49" charset="0"/>
+                <a:ea typeface="等线" panose="02010600030101010101" pitchFamily="2" charset="-122"/>
+                <a:cs typeface="Times New Roman" panose="02020603050405020304" pitchFamily="18" charset="0"/>
+              </a:rPr>
+              <a:t>Action Unit</a:t>
+            </a:r>
+            <a:endParaRPr kumimoji="0" lang="zh-CN" altLang="en-US" sz="1600" b="1" i="0" u="none" strike="noStrike" kern="0" cap="none" spc="0" normalizeH="0" baseline="0" noProof="0" dirty="0">
+              <a:ln>
+                <a:noFill/>
+              </a:ln>
+              <a:solidFill>
+                <a:prstClr val="white"/>
+              </a:solidFill>
+              <a:effectLst/>
+              <a:uLnTx/>
+              <a:uFillTx/>
+              <a:latin typeface="Consolas" panose="020B0609020204030204" pitchFamily="49" charset="0"/>
+              <a:ea typeface="等线" panose="02010600030101010101" pitchFamily="2" charset="-122"/>
+              <a:cs typeface="Times New Roman" panose="02020603050405020304" pitchFamily="18" charset="0"/>
+            </a:endParaRPr>
+          </a:p>
+        </p:txBody>
+      </p:sp>
+      <p:sp>
+        <p:nvSpPr>
+          <p:cNvPr id="22" name="矩形: 圆角 21">
+            <a:extLst>
+              <a:ext uri="{FF2B5EF4-FFF2-40B4-BE49-F238E27FC236}">
+                <a16:creationId xmlns:a16="http://schemas.microsoft.com/office/drawing/2014/main" id="{EDA86CB7-9338-F0F5-8869-D2C38AB6B5D6}"/>
+              </a:ext>
+            </a:extLst>
+          </p:cNvPr>
+          <p:cNvSpPr/>
+          <p:nvPr/>
+        </p:nvSpPr>
+        <p:spPr>
+          <a:xfrm flipH="1">
+            <a:off x="2593653" y="2738785"/>
+            <a:ext cx="170319" cy="404190"/>
+          </a:xfrm>
+          <a:prstGeom prst="roundRect">
+            <a:avLst/>
+          </a:prstGeom>
+          <a:gradFill rotWithShape="1">
+            <a:gsLst>
+              <a:gs pos="0">
+                <a:srgbClr val="51C3F9">
+                  <a:satMod val="103000"/>
+                  <a:lumMod val="102000"/>
+                  <a:tint val="94000"/>
+                </a:srgbClr>
+              </a:gs>
+              <a:gs pos="50000">
+                <a:srgbClr val="51C3F9">
+                  <a:satMod val="110000"/>
+                  <a:lumMod val="100000"/>
+                  <a:shade val="100000"/>
+                </a:srgbClr>
+              </a:gs>
+              <a:gs pos="100000">
+                <a:srgbClr val="51C3F9">
+                  <a:lumMod val="99000"/>
+                  <a:satMod val="120000"/>
+                  <a:shade val="78000"/>
+                </a:srgbClr>
+              </a:gs>
+            </a:gsLst>
+            <a:lin ang="5400000" scaled="0"/>
+          </a:gradFill>
+          <a:ln>
+            <a:noFill/>
+          </a:ln>
+          <a:effectLst>
+            <a:outerShdw blurRad="57150" dist="19050" dir="5400000" algn="ctr" rotWithShape="0">
+              <a:srgbClr val="000000">
+                <a:alpha val="63000"/>
+              </a:srgbClr>
+            </a:outerShdw>
+          </a:effectLst>
+        </p:spPr>
+        <p:txBody>
+          <a:bodyPr vert="horz" rtlCol="0" anchor="t"/>
+          <a:lstStyle/>
+          <a:p>
+            <a:pPr marL="0" marR="0" lvl="0" indent="0" algn="ctr" defTabSz="914400" eaLnBrk="1" fontAlgn="auto" latinLnBrk="0" hangingPunct="1">
+              <a:lnSpc>
+                <a:spcPts val="2000"/>
+              </a:lnSpc>
+              <a:spcBef>
+                <a:spcPts val="0"/>
+              </a:spcBef>
+              <a:spcAft>
+                <a:spcPts val="0"/>
+              </a:spcAft>
+              <a:buClrTx/>
+              <a:buSzTx/>
+              <a:buFontTx/>
+              <a:buNone/>
+              <a:tabLst/>
+              <a:defRPr/>
+            </a:pPr>
+            <a:endParaRPr kumimoji="0" lang="zh-CN" altLang="en-US" sz="1600" b="1" i="0" u="none" strike="noStrike" kern="0" cap="none" spc="0" normalizeH="0" baseline="0" noProof="0" dirty="0">
+              <a:ln>
+                <a:noFill/>
+              </a:ln>
+              <a:solidFill>
+                <a:prstClr val="white"/>
+              </a:solidFill>
+              <a:effectLst/>
+              <a:uLnTx/>
+              <a:uFillTx/>
+              <a:latin typeface="Consolas" panose="020B0609020204030204" pitchFamily="49" charset="0"/>
+              <a:ea typeface="等线" panose="02010600030101010101" pitchFamily="2" charset="-122"/>
+              <a:cs typeface="Times New Roman" panose="02020603050405020304" pitchFamily="18" charset="0"/>
+            </a:endParaRPr>
+          </a:p>
+        </p:txBody>
+      </p:sp>
+      <p:sp>
+        <p:nvSpPr>
+          <p:cNvPr id="23" name="矩形: 圆角 22">
+            <a:extLst>
+              <a:ext uri="{FF2B5EF4-FFF2-40B4-BE49-F238E27FC236}">
+                <a16:creationId xmlns:a16="http://schemas.microsoft.com/office/drawing/2014/main" id="{C38185E1-B6A0-B3F4-C180-3531048406D5}"/>
+              </a:ext>
+            </a:extLst>
+          </p:cNvPr>
+          <p:cNvSpPr/>
+          <p:nvPr/>
+        </p:nvSpPr>
+        <p:spPr>
+          <a:xfrm flipH="1">
+            <a:off x="2811670" y="2738785"/>
+            <a:ext cx="170319" cy="404190"/>
+          </a:xfrm>
+          <a:prstGeom prst="roundRect">
+            <a:avLst/>
+          </a:prstGeom>
+          <a:gradFill rotWithShape="1">
+            <a:gsLst>
+              <a:gs pos="0">
+                <a:srgbClr val="51C3F9">
+                  <a:satMod val="103000"/>
+                  <a:lumMod val="102000"/>
+                  <a:tint val="94000"/>
+                </a:srgbClr>
+              </a:gs>
+              <a:gs pos="50000">
+                <a:srgbClr val="51C3F9">
+                  <a:satMod val="110000"/>
+                  <a:lumMod val="100000"/>
+                  <a:shade val="100000"/>
+                </a:srgbClr>
+              </a:gs>
+              <a:gs pos="100000">
+                <a:srgbClr val="51C3F9">
+                  <a:lumMod val="99000"/>
+                  <a:satMod val="120000"/>
+                  <a:shade val="78000"/>
+                </a:srgbClr>
+              </a:gs>
+            </a:gsLst>
+            <a:lin ang="5400000" scaled="0"/>
+          </a:gradFill>
+          <a:ln>
+            <a:noFill/>
+          </a:ln>
+          <a:effectLst>
+            <a:outerShdw blurRad="57150" dist="19050" dir="5400000" algn="ctr" rotWithShape="0">
+              <a:srgbClr val="000000">
+                <a:alpha val="63000"/>
+              </a:srgbClr>
+            </a:outerShdw>
+          </a:effectLst>
+        </p:spPr>
+        <p:txBody>
+          <a:bodyPr vert="horz" rtlCol="0" anchor="t"/>
+          <a:lstStyle/>
+          <a:p>
+            <a:pPr marL="0" marR="0" lvl="0" indent="0" algn="ctr" defTabSz="914400" eaLnBrk="1" fontAlgn="auto" latinLnBrk="0" hangingPunct="1">
+              <a:lnSpc>
+                <a:spcPts val="2000"/>
+              </a:lnSpc>
+              <a:spcBef>
+                <a:spcPts val="0"/>
+              </a:spcBef>
+              <a:spcAft>
+                <a:spcPts val="0"/>
+              </a:spcAft>
+              <a:buClrTx/>
+              <a:buSzTx/>
+              <a:buFontTx/>
+              <a:buNone/>
+              <a:tabLst/>
+              <a:defRPr/>
+            </a:pPr>
+            <a:endParaRPr kumimoji="0" lang="zh-CN" altLang="en-US" sz="1600" b="1" i="0" u="none" strike="noStrike" kern="0" cap="none" spc="0" normalizeH="0" baseline="0" noProof="0" dirty="0">
+              <a:ln>
+                <a:noFill/>
+              </a:ln>
+              <a:solidFill>
+                <a:prstClr val="white"/>
+              </a:solidFill>
+              <a:effectLst/>
+              <a:uLnTx/>
+              <a:uFillTx/>
+              <a:latin typeface="Consolas" panose="020B0609020204030204" pitchFamily="49" charset="0"/>
+              <a:ea typeface="等线" panose="02010600030101010101" pitchFamily="2" charset="-122"/>
+              <a:cs typeface="Times New Roman" panose="02020603050405020304" pitchFamily="18" charset="0"/>
+            </a:endParaRPr>
+          </a:p>
+        </p:txBody>
+      </p:sp>
+      <p:sp>
+        <p:nvSpPr>
+          <p:cNvPr id="24" name="矩形: 圆角 23">
+            <a:extLst>
+              <a:ext uri="{FF2B5EF4-FFF2-40B4-BE49-F238E27FC236}">
+                <a16:creationId xmlns:a16="http://schemas.microsoft.com/office/drawing/2014/main" id="{E7FE2E01-805E-1845-DBBF-2489177C3BA1}"/>
+              </a:ext>
+            </a:extLst>
+          </p:cNvPr>
+          <p:cNvSpPr/>
+          <p:nvPr/>
+        </p:nvSpPr>
+        <p:spPr>
+          <a:xfrm flipH="1">
+            <a:off x="3029687" y="2738785"/>
+            <a:ext cx="170319" cy="404190"/>
+          </a:xfrm>
+          <a:prstGeom prst="roundRect">
+            <a:avLst/>
+          </a:prstGeom>
+          <a:gradFill rotWithShape="1">
+            <a:gsLst>
+              <a:gs pos="0">
+                <a:srgbClr val="51C3F9">
+                  <a:satMod val="103000"/>
+                  <a:lumMod val="102000"/>
+                  <a:tint val="94000"/>
+                </a:srgbClr>
+              </a:gs>
+              <a:gs pos="50000">
+                <a:srgbClr val="51C3F9">
+                  <a:satMod val="110000"/>
+                  <a:lumMod val="100000"/>
+                  <a:shade val="100000"/>
+                </a:srgbClr>
+              </a:gs>
+              <a:gs pos="100000">
+                <a:srgbClr val="51C3F9">
+                  <a:lumMod val="99000"/>
+                  <a:satMod val="120000"/>
+                  <a:shade val="78000"/>
+                </a:srgbClr>
+              </a:gs>
+            </a:gsLst>
+            <a:lin ang="5400000" scaled="0"/>
+          </a:gradFill>
+          <a:ln>
+            <a:noFill/>
+          </a:ln>
+          <a:effectLst>
+            <a:outerShdw blurRad="57150" dist="19050" dir="5400000" algn="ctr" rotWithShape="0">
+              <a:srgbClr val="000000">
+                <a:alpha val="63000"/>
+              </a:srgbClr>
+            </a:outerShdw>
+          </a:effectLst>
+        </p:spPr>
+        <p:txBody>
+          <a:bodyPr vert="horz" rtlCol="0" anchor="t"/>
+          <a:lstStyle/>
+          <a:p>
+            <a:pPr marL="0" marR="0" lvl="0" indent="0" algn="ctr" defTabSz="914400" eaLnBrk="1" fontAlgn="auto" latinLnBrk="0" hangingPunct="1">
+              <a:lnSpc>
+                <a:spcPts val="2000"/>
+              </a:lnSpc>
+              <a:spcBef>
+                <a:spcPts val="0"/>
+              </a:spcBef>
+              <a:spcAft>
+                <a:spcPts val="0"/>
+              </a:spcAft>
+              <a:buClrTx/>
+              <a:buSzTx/>
+              <a:buFontTx/>
+              <a:buNone/>
+              <a:tabLst/>
+              <a:defRPr/>
+            </a:pPr>
+            <a:endParaRPr kumimoji="0" lang="zh-CN" altLang="en-US" sz="1600" b="1" i="0" u="none" strike="noStrike" kern="0" cap="none" spc="0" normalizeH="0" baseline="0" noProof="0" dirty="0">
+              <a:ln>
+                <a:noFill/>
+              </a:ln>
+              <a:solidFill>
+                <a:prstClr val="white"/>
+              </a:solidFill>
+              <a:effectLst/>
+              <a:uLnTx/>
+              <a:uFillTx/>
+              <a:latin typeface="Consolas" panose="020B0609020204030204" pitchFamily="49" charset="0"/>
+              <a:ea typeface="等线" panose="02010600030101010101" pitchFamily="2" charset="-122"/>
+              <a:cs typeface="Times New Roman" panose="02020603050405020304" pitchFamily="18" charset="0"/>
+            </a:endParaRPr>
+          </a:p>
+        </p:txBody>
+      </p:sp>
+      <p:sp>
+        <p:nvSpPr>
+          <p:cNvPr id="25" name="矩形: 圆角 24">
+            <a:extLst>
+              <a:ext uri="{FF2B5EF4-FFF2-40B4-BE49-F238E27FC236}">
+                <a16:creationId xmlns:a16="http://schemas.microsoft.com/office/drawing/2014/main" id="{1E2A4920-BE42-B39C-080E-AB401593C26B}"/>
+              </a:ext>
+            </a:extLst>
+          </p:cNvPr>
+          <p:cNvSpPr/>
+          <p:nvPr/>
+        </p:nvSpPr>
+        <p:spPr>
+          <a:xfrm flipH="1">
+            <a:off x="3247704" y="2738785"/>
+            <a:ext cx="170319" cy="404190"/>
+          </a:xfrm>
+          <a:prstGeom prst="roundRect">
+            <a:avLst/>
+          </a:prstGeom>
+          <a:gradFill rotWithShape="1">
+            <a:gsLst>
+              <a:gs pos="0">
+                <a:srgbClr val="51C3F9">
+                  <a:satMod val="103000"/>
+                  <a:lumMod val="102000"/>
+                  <a:tint val="94000"/>
+                </a:srgbClr>
+              </a:gs>
+              <a:gs pos="50000">
+                <a:srgbClr val="51C3F9">
+                  <a:satMod val="110000"/>
+                  <a:lumMod val="100000"/>
+                  <a:shade val="100000"/>
+                </a:srgbClr>
+              </a:gs>
+              <a:gs pos="100000">
+                <a:srgbClr val="51C3F9">
+                  <a:lumMod val="99000"/>
+                  <a:satMod val="120000"/>
+                  <a:shade val="78000"/>
+                </a:srgbClr>
+              </a:gs>
+            </a:gsLst>
+            <a:lin ang="5400000" scaled="0"/>
+          </a:gradFill>
+          <a:ln>
+            <a:noFill/>
+          </a:ln>
+          <a:effectLst>
+            <a:outerShdw blurRad="57150" dist="19050" dir="5400000" algn="ctr" rotWithShape="0">
+              <a:srgbClr val="000000">
+                <a:alpha val="63000"/>
+              </a:srgbClr>
+            </a:outerShdw>
+          </a:effectLst>
+        </p:spPr>
+        <p:txBody>
+          <a:bodyPr vert="horz" rtlCol="0" anchor="t"/>
+          <a:lstStyle/>
+          <a:p>
+            <a:pPr marL="0" marR="0" lvl="0" indent="0" algn="ctr" defTabSz="914400" eaLnBrk="1" fontAlgn="auto" latinLnBrk="0" hangingPunct="1">
+              <a:lnSpc>
+                <a:spcPts val="2000"/>
+              </a:lnSpc>
+              <a:spcBef>
+                <a:spcPts val="0"/>
+              </a:spcBef>
+              <a:spcAft>
+                <a:spcPts val="0"/>
+              </a:spcAft>
+              <a:buClrTx/>
+              <a:buSzTx/>
+              <a:buFontTx/>
+              <a:buNone/>
+              <a:tabLst/>
+              <a:defRPr/>
+            </a:pPr>
+            <a:endParaRPr kumimoji="0" lang="zh-CN" altLang="en-US" sz="1600" b="1" i="0" u="none" strike="noStrike" kern="0" cap="none" spc="0" normalizeH="0" baseline="0" noProof="0" dirty="0">
+              <a:ln>
+                <a:noFill/>
+              </a:ln>
+              <a:solidFill>
+                <a:prstClr val="white"/>
+              </a:solidFill>
+              <a:effectLst/>
+              <a:uLnTx/>
+              <a:uFillTx/>
+              <a:latin typeface="Consolas" panose="020B0609020204030204" pitchFamily="49" charset="0"/>
+              <a:ea typeface="等线" panose="02010600030101010101" pitchFamily="2" charset="-122"/>
+              <a:cs typeface="Times New Roman" panose="02020603050405020304" pitchFamily="18" charset="0"/>
+            </a:endParaRPr>
+          </a:p>
+        </p:txBody>
+      </p:sp>
+      <p:pic>
+        <p:nvPicPr>
+          <p:cNvPr id="26" name="图片 25">
+            <a:extLst>
+              <a:ext uri="{FF2B5EF4-FFF2-40B4-BE49-F238E27FC236}">
+                <a16:creationId xmlns:a16="http://schemas.microsoft.com/office/drawing/2014/main" id="{EFA6A0C3-8182-4DEC-BF4D-5EB058FED18B}"/>
+              </a:ext>
+            </a:extLst>
+          </p:cNvPr>
+          <p:cNvPicPr>
+            <a:picLocks noChangeAspect="1"/>
+          </p:cNvPicPr>
+          <p:nvPr/>
+        </p:nvPicPr>
+        <p:blipFill>
+          <a:blip r:embed="rId2">
+            <a:extLst>
+              <a:ext uri="{28A0092B-C50C-407E-A947-70E740481C1C}">
+                <a14:useLocalDpi xmlns:a14="http://schemas.microsoft.com/office/drawing/2010/main" val="0"/>
+              </a:ext>
+            </a:extLst>
+          </a:blip>
+          <a:stretch>
+            <a:fillRect/>
+          </a:stretch>
+        </p:blipFill>
+        <p:spPr>
+          <a:xfrm>
+            <a:off x="6642071" y="572441"/>
+            <a:ext cx="570821" cy="570821"/>
+          </a:xfrm>
+          <a:prstGeom prst="rect">
+            <a:avLst/>
+          </a:prstGeom>
+        </p:spPr>
+      </p:pic>
+      <p:sp>
+        <p:nvSpPr>
+          <p:cNvPr id="27" name="矩形 26">
+            <a:extLst>
+              <a:ext uri="{FF2B5EF4-FFF2-40B4-BE49-F238E27FC236}">
+                <a16:creationId xmlns:a16="http://schemas.microsoft.com/office/drawing/2014/main" id="{F01C4136-D35E-F8F2-B26D-788F147B1D03}"/>
+              </a:ext>
+            </a:extLst>
+          </p:cNvPr>
+          <p:cNvSpPr/>
+          <p:nvPr/>
+        </p:nvSpPr>
+        <p:spPr>
+          <a:xfrm>
+            <a:off x="4141051" y="4266339"/>
+            <a:ext cx="1930146" cy="795529"/>
+          </a:xfrm>
+          <a:prstGeom prst="rect">
+            <a:avLst/>
+          </a:prstGeom>
+          <a:noFill/>
+          <a:ln w="22225" cap="flat" cmpd="sng" algn="ctr">
+            <a:solidFill>
+              <a:schemeClr val="dk1"/>
+            </a:solidFill>
+            <a:prstDash val="dash"/>
+            <a:round/>
+            <a:headEnd type="none" w="med" len="med"/>
+            <a:tailEnd type="none" w="med" len="med"/>
+          </a:ln>
         </p:spPr>
         <p:style>
           <a:lnRef idx="0">
-            <a:schemeClr val="accent1"/>
+            <a:scrgbClr r="0" g="0" b="0"/>
           </a:lnRef>
-          <a:fillRef idx="3">
+          <a:fillRef idx="0">
+            <a:scrgbClr r="0" g="0" b="0"/>
+          </a:fillRef>
+          <a:effectRef idx="0">
+            <a:scrgbClr r="0" g="0" b="0"/>
+          </a:effectRef>
+          <a:fontRef idx="minor">
+            <a:schemeClr val="dk1"/>
+          </a:fontRef>
+        </p:style>
+        <p:txBody>
+          <a:bodyPr rtlCol="0" anchor="t"/>
+          <a:lstStyle/>
+          <a:p>
+            <a:pPr algn="ctr"/>
+            <a:r>
+              <a:rPr lang="en-US" altLang="zh-CN" sz="1600" b="1" dirty="0">
+                <a:latin typeface="Arial" panose="020B0604020202020204" pitchFamily="34" charset="0"/>
+                <a:cs typeface="Arial" panose="020B0604020202020204" pitchFamily="34" charset="0"/>
+              </a:rPr>
+              <a:t>Action Units</a:t>
+            </a:r>
+            <a:endParaRPr lang="zh-CN" altLang="en-US" sz="1600" b="1" dirty="0">
+              <a:latin typeface="Arial" panose="020B0604020202020204" pitchFamily="34" charset="0"/>
+              <a:cs typeface="Arial" panose="020B0604020202020204" pitchFamily="34" charset="0"/>
+            </a:endParaRPr>
+          </a:p>
+        </p:txBody>
+      </p:sp>
+      <p:sp>
+        <p:nvSpPr>
+          <p:cNvPr id="28" name="矩形: 圆角 27">
+            <a:extLst>
+              <a:ext uri="{FF2B5EF4-FFF2-40B4-BE49-F238E27FC236}">
+                <a16:creationId xmlns:a16="http://schemas.microsoft.com/office/drawing/2014/main" id="{71643EAB-94FB-1594-F01F-7728006C51BE}"/>
+              </a:ext>
+            </a:extLst>
+          </p:cNvPr>
+          <p:cNvSpPr/>
+          <p:nvPr/>
+        </p:nvSpPr>
+        <p:spPr>
+          <a:xfrm flipH="1">
+            <a:off x="4255630" y="4552632"/>
+            <a:ext cx="170319" cy="404190"/>
+          </a:xfrm>
+          <a:prstGeom prst="roundRect">
+            <a:avLst/>
+          </a:prstGeom>
+          <a:gradFill rotWithShape="1">
+            <a:gsLst>
+              <a:gs pos="0">
+                <a:srgbClr val="51C3F9">
+                  <a:satMod val="103000"/>
+                  <a:lumMod val="102000"/>
+                  <a:tint val="94000"/>
+                </a:srgbClr>
+              </a:gs>
+              <a:gs pos="50000">
+                <a:srgbClr val="51C3F9">
+                  <a:satMod val="110000"/>
+                  <a:lumMod val="100000"/>
+                  <a:shade val="100000"/>
+                </a:srgbClr>
+              </a:gs>
+              <a:gs pos="100000">
+                <a:srgbClr val="51C3F9">
+                  <a:lumMod val="99000"/>
+                  <a:satMod val="120000"/>
+                  <a:shade val="78000"/>
+                </a:srgbClr>
+              </a:gs>
+            </a:gsLst>
+            <a:lin ang="5400000" scaled="0"/>
+          </a:gradFill>
+          <a:ln>
+            <a:noFill/>
+          </a:ln>
+          <a:effectLst>
+            <a:outerShdw blurRad="57150" dist="19050" dir="5400000" algn="ctr" rotWithShape="0">
+              <a:srgbClr val="000000">
+                <a:alpha val="63000"/>
+              </a:srgbClr>
+            </a:outerShdw>
+          </a:effectLst>
+        </p:spPr>
+        <p:txBody>
+          <a:bodyPr vert="horz" rtlCol="0" anchor="t"/>
+          <a:lstStyle/>
+          <a:p>
+            <a:pPr marL="0" marR="0" lvl="0" indent="0" algn="ctr" defTabSz="914400" eaLnBrk="1" fontAlgn="auto" latinLnBrk="0" hangingPunct="1">
+              <a:lnSpc>
+                <a:spcPts val="2000"/>
+              </a:lnSpc>
+              <a:spcBef>
+                <a:spcPts val="0"/>
+              </a:spcBef>
+              <a:spcAft>
+                <a:spcPts val="0"/>
+              </a:spcAft>
+              <a:buClrTx/>
+              <a:buSzTx/>
+              <a:buFontTx/>
+              <a:buNone/>
+              <a:tabLst/>
+              <a:defRPr/>
+            </a:pPr>
+            <a:endParaRPr kumimoji="0" lang="zh-CN" altLang="en-US" sz="1600" b="1" i="0" u="none" strike="noStrike" kern="0" cap="none" spc="0" normalizeH="0" baseline="0" noProof="0" dirty="0">
+              <a:ln>
+                <a:noFill/>
+              </a:ln>
+              <a:solidFill>
+                <a:prstClr val="white"/>
+              </a:solidFill>
+              <a:effectLst/>
+              <a:uLnTx/>
+              <a:uFillTx/>
+              <a:latin typeface="Consolas" panose="020B0609020204030204" pitchFamily="49" charset="0"/>
+              <a:ea typeface="等线" panose="02010600030101010101" pitchFamily="2" charset="-122"/>
+              <a:cs typeface="Times New Roman" panose="02020603050405020304" pitchFamily="18" charset="0"/>
+            </a:endParaRPr>
+          </a:p>
+        </p:txBody>
+      </p:sp>
+      <p:sp>
+        <p:nvSpPr>
+          <p:cNvPr id="29" name="矩形: 圆角 28">
+            <a:extLst>
+              <a:ext uri="{FF2B5EF4-FFF2-40B4-BE49-F238E27FC236}">
+                <a16:creationId xmlns:a16="http://schemas.microsoft.com/office/drawing/2014/main" id="{39BC7E5A-C466-67A6-D5CE-D10F7601E6EF}"/>
+              </a:ext>
+            </a:extLst>
+          </p:cNvPr>
+          <p:cNvSpPr/>
+          <p:nvPr/>
+        </p:nvSpPr>
+        <p:spPr>
+          <a:xfrm flipH="1">
+            <a:off x="4473647" y="4552632"/>
+            <a:ext cx="170319" cy="404190"/>
+          </a:xfrm>
+          <a:prstGeom prst="roundRect">
+            <a:avLst/>
+          </a:prstGeom>
+          <a:gradFill rotWithShape="1">
+            <a:gsLst>
+              <a:gs pos="0">
+                <a:srgbClr val="51C3F9">
+                  <a:satMod val="103000"/>
+                  <a:lumMod val="102000"/>
+                  <a:tint val="94000"/>
+                </a:srgbClr>
+              </a:gs>
+              <a:gs pos="50000">
+                <a:srgbClr val="51C3F9">
+                  <a:satMod val="110000"/>
+                  <a:lumMod val="100000"/>
+                  <a:shade val="100000"/>
+                </a:srgbClr>
+              </a:gs>
+              <a:gs pos="100000">
+                <a:srgbClr val="51C3F9">
+                  <a:lumMod val="99000"/>
+                  <a:satMod val="120000"/>
+                  <a:shade val="78000"/>
+                </a:srgbClr>
+              </a:gs>
+            </a:gsLst>
+            <a:lin ang="5400000" scaled="0"/>
+          </a:gradFill>
+          <a:ln>
+            <a:noFill/>
+          </a:ln>
+          <a:effectLst>
+            <a:outerShdw blurRad="57150" dist="19050" dir="5400000" algn="ctr" rotWithShape="0">
+              <a:srgbClr val="000000">
+                <a:alpha val="63000"/>
+              </a:srgbClr>
+            </a:outerShdw>
+          </a:effectLst>
+        </p:spPr>
+        <p:txBody>
+          <a:bodyPr vert="horz" rtlCol="0" anchor="t"/>
+          <a:lstStyle/>
+          <a:p>
+            <a:pPr marL="0" marR="0" lvl="0" indent="0" algn="ctr" defTabSz="914400" eaLnBrk="1" fontAlgn="auto" latinLnBrk="0" hangingPunct="1">
+              <a:lnSpc>
+                <a:spcPts val="2000"/>
+              </a:lnSpc>
+              <a:spcBef>
+                <a:spcPts val="0"/>
+              </a:spcBef>
+              <a:spcAft>
+                <a:spcPts val="0"/>
+              </a:spcAft>
+              <a:buClrTx/>
+              <a:buSzTx/>
+              <a:buFontTx/>
+              <a:buNone/>
+              <a:tabLst/>
+              <a:defRPr/>
+            </a:pPr>
+            <a:endParaRPr kumimoji="0" lang="zh-CN" altLang="en-US" sz="1600" b="1" i="0" u="none" strike="noStrike" kern="0" cap="none" spc="0" normalizeH="0" baseline="0" noProof="0" dirty="0">
+              <a:ln>
+                <a:noFill/>
+              </a:ln>
+              <a:solidFill>
+                <a:prstClr val="white"/>
+              </a:solidFill>
+              <a:effectLst/>
+              <a:uLnTx/>
+              <a:uFillTx/>
+              <a:latin typeface="Consolas" panose="020B0609020204030204" pitchFamily="49" charset="0"/>
+              <a:ea typeface="等线" panose="02010600030101010101" pitchFamily="2" charset="-122"/>
+              <a:cs typeface="Times New Roman" panose="02020603050405020304" pitchFamily="18" charset="0"/>
+            </a:endParaRPr>
+          </a:p>
+        </p:txBody>
+      </p:sp>
+      <p:sp>
+        <p:nvSpPr>
+          <p:cNvPr id="30" name="矩形: 圆角 29">
+            <a:extLst>
+              <a:ext uri="{FF2B5EF4-FFF2-40B4-BE49-F238E27FC236}">
+                <a16:creationId xmlns:a16="http://schemas.microsoft.com/office/drawing/2014/main" id="{866D623D-F565-0FF0-38B4-8081913359BF}"/>
+              </a:ext>
+            </a:extLst>
+          </p:cNvPr>
+          <p:cNvSpPr/>
+          <p:nvPr/>
+        </p:nvSpPr>
+        <p:spPr>
+          <a:xfrm flipH="1">
+            <a:off x="4691664" y="4552632"/>
+            <a:ext cx="170319" cy="404190"/>
+          </a:xfrm>
+          <a:prstGeom prst="roundRect">
+            <a:avLst/>
+          </a:prstGeom>
+          <a:gradFill rotWithShape="1">
+            <a:gsLst>
+              <a:gs pos="0">
+                <a:srgbClr val="51C3F9">
+                  <a:satMod val="103000"/>
+                  <a:lumMod val="102000"/>
+                  <a:tint val="94000"/>
+                </a:srgbClr>
+              </a:gs>
+              <a:gs pos="50000">
+                <a:srgbClr val="51C3F9">
+                  <a:satMod val="110000"/>
+                  <a:lumMod val="100000"/>
+                  <a:shade val="100000"/>
+                </a:srgbClr>
+              </a:gs>
+              <a:gs pos="100000">
+                <a:srgbClr val="51C3F9">
+                  <a:lumMod val="99000"/>
+                  <a:satMod val="120000"/>
+                  <a:shade val="78000"/>
+                </a:srgbClr>
+              </a:gs>
+            </a:gsLst>
+            <a:lin ang="5400000" scaled="0"/>
+          </a:gradFill>
+          <a:ln>
+            <a:noFill/>
+          </a:ln>
+          <a:effectLst>
+            <a:outerShdw blurRad="57150" dist="19050" dir="5400000" algn="ctr" rotWithShape="0">
+              <a:srgbClr val="000000">
+                <a:alpha val="63000"/>
+              </a:srgbClr>
+            </a:outerShdw>
+          </a:effectLst>
+        </p:spPr>
+        <p:txBody>
+          <a:bodyPr vert="horz" rtlCol="0" anchor="t"/>
+          <a:lstStyle/>
+          <a:p>
+            <a:pPr marL="0" marR="0" lvl="0" indent="0" algn="ctr" defTabSz="914400" eaLnBrk="1" fontAlgn="auto" latinLnBrk="0" hangingPunct="1">
+              <a:lnSpc>
+                <a:spcPts val="2000"/>
+              </a:lnSpc>
+              <a:spcBef>
+                <a:spcPts val="0"/>
+              </a:spcBef>
+              <a:spcAft>
+                <a:spcPts val="0"/>
+              </a:spcAft>
+              <a:buClrTx/>
+              <a:buSzTx/>
+              <a:buFontTx/>
+              <a:buNone/>
+              <a:tabLst/>
+              <a:defRPr/>
+            </a:pPr>
+            <a:endParaRPr kumimoji="0" lang="zh-CN" altLang="en-US" sz="1600" b="1" i="0" u="none" strike="noStrike" kern="0" cap="none" spc="0" normalizeH="0" baseline="0" noProof="0" dirty="0">
+              <a:ln>
+                <a:noFill/>
+              </a:ln>
+              <a:solidFill>
+                <a:prstClr val="white"/>
+              </a:solidFill>
+              <a:effectLst/>
+              <a:uLnTx/>
+              <a:uFillTx/>
+              <a:latin typeface="Consolas" panose="020B0609020204030204" pitchFamily="49" charset="0"/>
+              <a:ea typeface="等线" panose="02010600030101010101" pitchFamily="2" charset="-122"/>
+              <a:cs typeface="Times New Roman" panose="02020603050405020304" pitchFamily="18" charset="0"/>
+            </a:endParaRPr>
+          </a:p>
+        </p:txBody>
+      </p:sp>
+      <p:sp>
+        <p:nvSpPr>
+          <p:cNvPr id="31" name="矩形: 圆角 30">
+            <a:extLst>
+              <a:ext uri="{FF2B5EF4-FFF2-40B4-BE49-F238E27FC236}">
+                <a16:creationId xmlns:a16="http://schemas.microsoft.com/office/drawing/2014/main" id="{12F92B2D-EAAD-160F-FBBD-D35FD7DDB791}"/>
+              </a:ext>
+            </a:extLst>
+          </p:cNvPr>
+          <p:cNvSpPr/>
+          <p:nvPr/>
+        </p:nvSpPr>
+        <p:spPr>
+          <a:xfrm flipH="1">
+            <a:off x="4909681" y="4552632"/>
+            <a:ext cx="170319" cy="404190"/>
+          </a:xfrm>
+          <a:prstGeom prst="roundRect">
+            <a:avLst/>
+          </a:prstGeom>
+          <a:gradFill rotWithShape="1">
+            <a:gsLst>
+              <a:gs pos="0">
+                <a:srgbClr val="51C3F9">
+                  <a:satMod val="103000"/>
+                  <a:lumMod val="102000"/>
+                  <a:tint val="94000"/>
+                </a:srgbClr>
+              </a:gs>
+              <a:gs pos="50000">
+                <a:srgbClr val="51C3F9">
+                  <a:satMod val="110000"/>
+                  <a:lumMod val="100000"/>
+                  <a:shade val="100000"/>
+                </a:srgbClr>
+              </a:gs>
+              <a:gs pos="100000">
+                <a:srgbClr val="51C3F9">
+                  <a:lumMod val="99000"/>
+                  <a:satMod val="120000"/>
+                  <a:shade val="78000"/>
+                </a:srgbClr>
+              </a:gs>
+            </a:gsLst>
+            <a:lin ang="5400000" scaled="0"/>
+          </a:gradFill>
+          <a:ln>
+            <a:noFill/>
+          </a:ln>
+          <a:effectLst>
+            <a:outerShdw blurRad="57150" dist="19050" dir="5400000" algn="ctr" rotWithShape="0">
+              <a:srgbClr val="000000">
+                <a:alpha val="63000"/>
+              </a:srgbClr>
+            </a:outerShdw>
+          </a:effectLst>
+        </p:spPr>
+        <p:txBody>
+          <a:bodyPr vert="horz" rtlCol="0" anchor="t"/>
+          <a:lstStyle/>
+          <a:p>
+            <a:pPr marL="0" marR="0" lvl="0" indent="0" algn="ctr" defTabSz="914400" eaLnBrk="1" fontAlgn="auto" latinLnBrk="0" hangingPunct="1">
+              <a:lnSpc>
+                <a:spcPts val="2000"/>
+              </a:lnSpc>
+              <a:spcBef>
+                <a:spcPts val="0"/>
+              </a:spcBef>
+              <a:spcAft>
+                <a:spcPts val="0"/>
+              </a:spcAft>
+              <a:buClrTx/>
+              <a:buSzTx/>
+              <a:buFontTx/>
+              <a:buNone/>
+              <a:tabLst/>
+              <a:defRPr/>
+            </a:pPr>
+            <a:endParaRPr kumimoji="0" lang="zh-CN" altLang="en-US" sz="1600" b="1" i="0" u="none" strike="noStrike" kern="0" cap="none" spc="0" normalizeH="0" baseline="0" noProof="0" dirty="0">
+              <a:ln>
+                <a:noFill/>
+              </a:ln>
+              <a:solidFill>
+                <a:prstClr val="white"/>
+              </a:solidFill>
+              <a:effectLst/>
+              <a:uLnTx/>
+              <a:uFillTx/>
+              <a:latin typeface="Consolas" panose="020B0609020204030204" pitchFamily="49" charset="0"/>
+              <a:ea typeface="等线" panose="02010600030101010101" pitchFamily="2" charset="-122"/>
+              <a:cs typeface="Times New Roman" panose="02020603050405020304" pitchFamily="18" charset="0"/>
+            </a:endParaRPr>
+          </a:p>
+        </p:txBody>
+      </p:sp>
+      <p:sp>
+        <p:nvSpPr>
+          <p:cNvPr id="32" name="矩形: 圆角 31">
+            <a:extLst>
+              <a:ext uri="{FF2B5EF4-FFF2-40B4-BE49-F238E27FC236}">
+                <a16:creationId xmlns:a16="http://schemas.microsoft.com/office/drawing/2014/main" id="{56498AAD-8444-90C4-4B87-0D071581594D}"/>
+              </a:ext>
+            </a:extLst>
+          </p:cNvPr>
+          <p:cNvSpPr/>
+          <p:nvPr/>
+        </p:nvSpPr>
+        <p:spPr>
+          <a:xfrm flipH="1">
+            <a:off x="5123492" y="4552742"/>
+            <a:ext cx="170319" cy="404190"/>
+          </a:xfrm>
+          <a:prstGeom prst="roundRect">
+            <a:avLst/>
+          </a:prstGeom>
+          <a:gradFill rotWithShape="1">
+            <a:gsLst>
+              <a:gs pos="0">
+                <a:srgbClr val="51C3F9">
+                  <a:satMod val="103000"/>
+                  <a:lumMod val="102000"/>
+                  <a:tint val="94000"/>
+                </a:srgbClr>
+              </a:gs>
+              <a:gs pos="50000">
+                <a:srgbClr val="51C3F9">
+                  <a:satMod val="110000"/>
+                  <a:lumMod val="100000"/>
+                  <a:shade val="100000"/>
+                </a:srgbClr>
+              </a:gs>
+              <a:gs pos="100000">
+                <a:srgbClr val="51C3F9">
+                  <a:lumMod val="99000"/>
+                  <a:satMod val="120000"/>
+                  <a:shade val="78000"/>
+                </a:srgbClr>
+              </a:gs>
+            </a:gsLst>
+            <a:lin ang="5400000" scaled="0"/>
+          </a:gradFill>
+          <a:ln>
+            <a:noFill/>
+          </a:ln>
+          <a:effectLst>
+            <a:outerShdw blurRad="57150" dist="19050" dir="5400000" algn="ctr" rotWithShape="0">
+              <a:srgbClr val="000000">
+                <a:alpha val="63000"/>
+              </a:srgbClr>
+            </a:outerShdw>
+          </a:effectLst>
+        </p:spPr>
+        <p:txBody>
+          <a:bodyPr vert="horz" rtlCol="0" anchor="t"/>
+          <a:lstStyle/>
+          <a:p>
+            <a:pPr marL="0" marR="0" lvl="0" indent="0" algn="ctr" defTabSz="914400" eaLnBrk="1" fontAlgn="auto" latinLnBrk="0" hangingPunct="1">
+              <a:lnSpc>
+                <a:spcPts val="2000"/>
+              </a:lnSpc>
+              <a:spcBef>
+                <a:spcPts val="0"/>
+              </a:spcBef>
+              <a:spcAft>
+                <a:spcPts val="0"/>
+              </a:spcAft>
+              <a:buClrTx/>
+              <a:buSzTx/>
+              <a:buFontTx/>
+              <a:buNone/>
+              <a:tabLst/>
+              <a:defRPr/>
+            </a:pPr>
+            <a:endParaRPr kumimoji="0" lang="zh-CN" altLang="en-US" sz="1600" b="1" i="0" u="none" strike="noStrike" kern="0" cap="none" spc="0" normalizeH="0" baseline="0" noProof="0" dirty="0">
+              <a:ln>
+                <a:noFill/>
+              </a:ln>
+              <a:solidFill>
+                <a:prstClr val="white"/>
+              </a:solidFill>
+              <a:effectLst/>
+              <a:uLnTx/>
+              <a:uFillTx/>
+              <a:latin typeface="Consolas" panose="020B0609020204030204" pitchFamily="49" charset="0"/>
+              <a:ea typeface="等线" panose="02010600030101010101" pitchFamily="2" charset="-122"/>
+              <a:cs typeface="Times New Roman" panose="02020603050405020304" pitchFamily="18" charset="0"/>
+            </a:endParaRPr>
+          </a:p>
+        </p:txBody>
+      </p:sp>
+      <p:sp>
+        <p:nvSpPr>
+          <p:cNvPr id="33" name="矩形: 圆角 32">
+            <a:extLst>
+              <a:ext uri="{FF2B5EF4-FFF2-40B4-BE49-F238E27FC236}">
+                <a16:creationId xmlns:a16="http://schemas.microsoft.com/office/drawing/2014/main" id="{92B52618-E576-5350-8132-B841E61B27BE}"/>
+              </a:ext>
+            </a:extLst>
+          </p:cNvPr>
+          <p:cNvSpPr/>
+          <p:nvPr/>
+        </p:nvSpPr>
+        <p:spPr>
+          <a:xfrm flipH="1">
+            <a:off x="5341509" y="4552742"/>
+            <a:ext cx="170319" cy="404190"/>
+          </a:xfrm>
+          <a:prstGeom prst="roundRect">
+            <a:avLst/>
+          </a:prstGeom>
+          <a:gradFill rotWithShape="1">
+            <a:gsLst>
+              <a:gs pos="0">
+                <a:srgbClr val="51C3F9">
+                  <a:satMod val="103000"/>
+                  <a:lumMod val="102000"/>
+                  <a:tint val="94000"/>
+                </a:srgbClr>
+              </a:gs>
+              <a:gs pos="50000">
+                <a:srgbClr val="51C3F9">
+                  <a:satMod val="110000"/>
+                  <a:lumMod val="100000"/>
+                  <a:shade val="100000"/>
+                </a:srgbClr>
+              </a:gs>
+              <a:gs pos="100000">
+                <a:srgbClr val="51C3F9">
+                  <a:lumMod val="99000"/>
+                  <a:satMod val="120000"/>
+                  <a:shade val="78000"/>
+                </a:srgbClr>
+              </a:gs>
+            </a:gsLst>
+            <a:lin ang="5400000" scaled="0"/>
+          </a:gradFill>
+          <a:ln>
+            <a:noFill/>
+          </a:ln>
+          <a:effectLst>
+            <a:outerShdw blurRad="57150" dist="19050" dir="5400000" algn="ctr" rotWithShape="0">
+              <a:srgbClr val="000000">
+                <a:alpha val="63000"/>
+              </a:srgbClr>
+            </a:outerShdw>
+          </a:effectLst>
+        </p:spPr>
+        <p:txBody>
+          <a:bodyPr vert="horz" rtlCol="0" anchor="t"/>
+          <a:lstStyle/>
+          <a:p>
+            <a:pPr marL="0" marR="0" lvl="0" indent="0" algn="ctr" defTabSz="914400" eaLnBrk="1" fontAlgn="auto" latinLnBrk="0" hangingPunct="1">
+              <a:lnSpc>
+                <a:spcPts val="2000"/>
+              </a:lnSpc>
+              <a:spcBef>
+                <a:spcPts val="0"/>
+              </a:spcBef>
+              <a:spcAft>
+                <a:spcPts val="0"/>
+              </a:spcAft>
+              <a:buClrTx/>
+              <a:buSzTx/>
+              <a:buFontTx/>
+              <a:buNone/>
+              <a:tabLst/>
+              <a:defRPr/>
+            </a:pPr>
+            <a:endParaRPr kumimoji="0" lang="zh-CN" altLang="en-US" sz="1600" b="1" i="0" u="none" strike="noStrike" kern="0" cap="none" spc="0" normalizeH="0" baseline="0" noProof="0" dirty="0">
+              <a:ln>
+                <a:noFill/>
+              </a:ln>
+              <a:solidFill>
+                <a:prstClr val="white"/>
+              </a:solidFill>
+              <a:effectLst/>
+              <a:uLnTx/>
+              <a:uFillTx/>
+              <a:latin typeface="Consolas" panose="020B0609020204030204" pitchFamily="49" charset="0"/>
+              <a:ea typeface="等线" panose="02010600030101010101" pitchFamily="2" charset="-122"/>
+              <a:cs typeface="Times New Roman" panose="02020603050405020304" pitchFamily="18" charset="0"/>
+            </a:endParaRPr>
+          </a:p>
+        </p:txBody>
+      </p:sp>
+      <p:sp>
+        <p:nvSpPr>
+          <p:cNvPr id="34" name="矩形: 圆角 33">
+            <a:extLst>
+              <a:ext uri="{FF2B5EF4-FFF2-40B4-BE49-F238E27FC236}">
+                <a16:creationId xmlns:a16="http://schemas.microsoft.com/office/drawing/2014/main" id="{A4956D38-9383-3A17-1827-A96B25786209}"/>
+              </a:ext>
+            </a:extLst>
+          </p:cNvPr>
+          <p:cNvSpPr/>
+          <p:nvPr/>
+        </p:nvSpPr>
+        <p:spPr>
+          <a:xfrm flipH="1">
+            <a:off x="5559526" y="4552742"/>
+            <a:ext cx="170319" cy="404190"/>
+          </a:xfrm>
+          <a:prstGeom prst="roundRect">
+            <a:avLst/>
+          </a:prstGeom>
+          <a:gradFill rotWithShape="1">
+            <a:gsLst>
+              <a:gs pos="0">
+                <a:srgbClr val="51C3F9">
+                  <a:satMod val="103000"/>
+                  <a:lumMod val="102000"/>
+                  <a:tint val="94000"/>
+                </a:srgbClr>
+              </a:gs>
+              <a:gs pos="50000">
+                <a:srgbClr val="51C3F9">
+                  <a:satMod val="110000"/>
+                  <a:lumMod val="100000"/>
+                  <a:shade val="100000"/>
+                </a:srgbClr>
+              </a:gs>
+              <a:gs pos="100000">
+                <a:srgbClr val="51C3F9">
+                  <a:lumMod val="99000"/>
+                  <a:satMod val="120000"/>
+                  <a:shade val="78000"/>
+                </a:srgbClr>
+              </a:gs>
+            </a:gsLst>
+            <a:lin ang="5400000" scaled="0"/>
+          </a:gradFill>
+          <a:ln>
+            <a:noFill/>
+          </a:ln>
+          <a:effectLst>
+            <a:outerShdw blurRad="57150" dist="19050" dir="5400000" algn="ctr" rotWithShape="0">
+              <a:srgbClr val="000000">
+                <a:alpha val="63000"/>
+              </a:srgbClr>
+            </a:outerShdw>
+          </a:effectLst>
+        </p:spPr>
+        <p:txBody>
+          <a:bodyPr vert="horz" rtlCol="0" anchor="t"/>
+          <a:lstStyle/>
+          <a:p>
+            <a:pPr marL="0" marR="0" lvl="0" indent="0" algn="ctr" defTabSz="914400" eaLnBrk="1" fontAlgn="auto" latinLnBrk="0" hangingPunct="1">
+              <a:lnSpc>
+                <a:spcPts val="2000"/>
+              </a:lnSpc>
+              <a:spcBef>
+                <a:spcPts val="0"/>
+              </a:spcBef>
+              <a:spcAft>
+                <a:spcPts val="0"/>
+              </a:spcAft>
+              <a:buClrTx/>
+              <a:buSzTx/>
+              <a:buFontTx/>
+              <a:buNone/>
+              <a:tabLst/>
+              <a:defRPr/>
+            </a:pPr>
+            <a:endParaRPr kumimoji="0" lang="zh-CN" altLang="en-US" sz="1600" b="1" i="0" u="none" strike="noStrike" kern="0" cap="none" spc="0" normalizeH="0" baseline="0" noProof="0" dirty="0">
+              <a:ln>
+                <a:noFill/>
+              </a:ln>
+              <a:solidFill>
+                <a:prstClr val="white"/>
+              </a:solidFill>
+              <a:effectLst/>
+              <a:uLnTx/>
+              <a:uFillTx/>
+              <a:latin typeface="Consolas" panose="020B0609020204030204" pitchFamily="49" charset="0"/>
+              <a:ea typeface="等线" panose="02010600030101010101" pitchFamily="2" charset="-122"/>
+              <a:cs typeface="Times New Roman" panose="02020603050405020304" pitchFamily="18" charset="0"/>
+            </a:endParaRPr>
+          </a:p>
+        </p:txBody>
+      </p:sp>
+      <p:sp>
+        <p:nvSpPr>
+          <p:cNvPr id="35" name="矩形: 圆角 34">
+            <a:extLst>
+              <a:ext uri="{FF2B5EF4-FFF2-40B4-BE49-F238E27FC236}">
+                <a16:creationId xmlns:a16="http://schemas.microsoft.com/office/drawing/2014/main" id="{6F71A381-C983-6EDD-D9EB-139E19D6FA79}"/>
+              </a:ext>
+            </a:extLst>
+          </p:cNvPr>
+          <p:cNvSpPr/>
+          <p:nvPr/>
+        </p:nvSpPr>
+        <p:spPr>
+          <a:xfrm flipH="1">
+            <a:off x="5777543" y="4552742"/>
+            <a:ext cx="170319" cy="404190"/>
+          </a:xfrm>
+          <a:prstGeom prst="roundRect">
+            <a:avLst/>
+          </a:prstGeom>
+          <a:gradFill rotWithShape="1">
+            <a:gsLst>
+              <a:gs pos="0">
+                <a:srgbClr val="51C3F9">
+                  <a:satMod val="103000"/>
+                  <a:lumMod val="102000"/>
+                  <a:tint val="94000"/>
+                </a:srgbClr>
+              </a:gs>
+              <a:gs pos="50000">
+                <a:srgbClr val="51C3F9">
+                  <a:satMod val="110000"/>
+                  <a:lumMod val="100000"/>
+                  <a:shade val="100000"/>
+                </a:srgbClr>
+              </a:gs>
+              <a:gs pos="100000">
+                <a:srgbClr val="51C3F9">
+                  <a:lumMod val="99000"/>
+                  <a:satMod val="120000"/>
+                  <a:shade val="78000"/>
+                </a:srgbClr>
+              </a:gs>
+            </a:gsLst>
+            <a:lin ang="5400000" scaled="0"/>
+          </a:gradFill>
+          <a:ln>
+            <a:noFill/>
+          </a:ln>
+          <a:effectLst>
+            <a:outerShdw blurRad="57150" dist="19050" dir="5400000" algn="ctr" rotWithShape="0">
+              <a:srgbClr val="000000">
+                <a:alpha val="63000"/>
+              </a:srgbClr>
+            </a:outerShdw>
+          </a:effectLst>
+        </p:spPr>
+        <p:txBody>
+          <a:bodyPr vert="horz" rtlCol="0" anchor="t"/>
+          <a:lstStyle/>
+          <a:p>
+            <a:pPr marL="0" marR="0" lvl="0" indent="0" algn="ctr" defTabSz="914400" eaLnBrk="1" fontAlgn="auto" latinLnBrk="0" hangingPunct="1">
+              <a:lnSpc>
+                <a:spcPts val="2000"/>
+              </a:lnSpc>
+              <a:spcBef>
+                <a:spcPts val="0"/>
+              </a:spcBef>
+              <a:spcAft>
+                <a:spcPts val="0"/>
+              </a:spcAft>
+              <a:buClrTx/>
+              <a:buSzTx/>
+              <a:buFontTx/>
+              <a:buNone/>
+              <a:tabLst/>
+              <a:defRPr/>
+            </a:pPr>
+            <a:endParaRPr kumimoji="0" lang="zh-CN" altLang="en-US" sz="1600" b="1" i="0" u="none" strike="noStrike" kern="0" cap="none" spc="0" normalizeH="0" baseline="0" noProof="0" dirty="0">
+              <a:ln>
+                <a:noFill/>
+              </a:ln>
+              <a:solidFill>
+                <a:prstClr val="white"/>
+              </a:solidFill>
+              <a:effectLst/>
+              <a:uLnTx/>
+              <a:uFillTx/>
+              <a:latin typeface="Consolas" panose="020B0609020204030204" pitchFamily="49" charset="0"/>
+              <a:ea typeface="等线" panose="02010600030101010101" pitchFamily="2" charset="-122"/>
+              <a:cs typeface="Times New Roman" panose="02020603050405020304" pitchFamily="18" charset="0"/>
+            </a:endParaRPr>
+          </a:p>
+        </p:txBody>
+      </p:sp>
+      <p:sp>
+        <p:nvSpPr>
+          <p:cNvPr id="36" name="箭头: 下 35">
+            <a:extLst>
+              <a:ext uri="{FF2B5EF4-FFF2-40B4-BE49-F238E27FC236}">
+                <a16:creationId xmlns:a16="http://schemas.microsoft.com/office/drawing/2014/main" id="{7815EB6B-5B9C-DF85-3396-BB710698109E}"/>
+              </a:ext>
+            </a:extLst>
+          </p:cNvPr>
+          <p:cNvSpPr/>
+          <p:nvPr/>
+        </p:nvSpPr>
+        <p:spPr>
+          <a:xfrm>
+            <a:off x="1772914" y="3191256"/>
+            <a:ext cx="755373" cy="1101852"/>
+          </a:xfrm>
+          <a:prstGeom prst="downArrow">
+            <a:avLst/>
+          </a:prstGeom>
+        </p:spPr>
+        <p:style>
+          <a:lnRef idx="2">
+            <a:schemeClr val="accent1">
+              <a:shade val="15000"/>
+            </a:schemeClr>
+          </a:lnRef>
+          <a:fillRef idx="1">
             <a:schemeClr val="accent1"/>
           </a:fillRef>
-          <a:effectRef idx="3">
+          <a:effectRef idx="0">
             <a:schemeClr val="accent1"/>
           </a:effectRef>
           <a:fontRef idx="minor">
@@ -3981,34 +6071,20 @@
           </a:fontRef>
         </p:style>
         <p:txBody>
-          <a:bodyPr vert="horz" rtlCol="0" anchor="t"/>
-          <a:lstStyle/>
-          <a:p>
-            <a:pPr algn="ctr">
-              <a:lnSpc>
-                <a:spcPts val="2000"/>
-              </a:lnSpc>
-            </a:pPr>
-            <a:r>
-              <a:rPr lang="en-US" altLang="zh-CN" sz="2800" b="1" dirty="0">
-                <a:latin typeface="Times New Roman" panose="02020603050405020304" pitchFamily="18" charset="0"/>
-                <a:cs typeface="Times New Roman" panose="02020603050405020304" pitchFamily="18" charset="0"/>
-              </a:rPr>
-              <a:t>Test Plan</a:t>
-            </a:r>
-            <a:endParaRPr lang="zh-CN" altLang="en-US" sz="2800" b="1" dirty="0">
-              <a:latin typeface="Times New Roman" panose="02020603050405020304" pitchFamily="18" charset="0"/>
-              <a:cs typeface="Times New Roman" panose="02020603050405020304" pitchFamily="18" charset="0"/>
-            </a:endParaRPr>
-          </a:p>
-        </p:txBody>
-      </p:sp>
-      <p:sp>
-        <p:nvSpPr>
-          <p:cNvPr id="7" name="矩形: 圆角 6">
-            <a:extLst>
-              <a:ext uri="{FF2B5EF4-FFF2-40B4-BE49-F238E27FC236}">
-                <a16:creationId xmlns:a16="http://schemas.microsoft.com/office/drawing/2014/main" id="{7E1A4B8B-BC0F-BB03-B075-E4F0DEF815BD}"/>
+          <a:bodyPr rtlCol="0" anchor="ctr"/>
+          <a:lstStyle/>
+          <a:p>
+            <a:pPr algn="ctr"/>
+            <a:endParaRPr lang="zh-CN" altLang="en-US"/>
+          </a:p>
+        </p:txBody>
+      </p:sp>
+      <p:sp>
+        <p:nvSpPr>
+          <p:cNvPr id="37" name="Rectangle: Rounded Corners 169">
+            <a:extLst>
+              <a:ext uri="{FF2B5EF4-FFF2-40B4-BE49-F238E27FC236}">
+                <a16:creationId xmlns:a16="http://schemas.microsoft.com/office/drawing/2014/main" id="{2BD24C5C-BB51-0DE0-5C85-2D245D368096}"/>
               </a:ext>
             </a:extLst>
           </p:cNvPr>
@@ -4017,56 +6093,152 @@
         </p:nvSpPr>
         <p:spPr>
           <a:xfrm>
-            <a:off x="2555463" y="2297044"/>
-            <a:ext cx="2634974" cy="932070"/>
+            <a:off x="1266548" y="4430646"/>
+            <a:ext cx="2165997" cy="411019"/>
           </a:xfrm>
           <a:prstGeom prst="roundRect">
             <a:avLst/>
           </a:prstGeom>
+          <a:solidFill>
+            <a:sysClr val="window" lastClr="FFFFFF">
+              <a:lumMod val="85000"/>
+            </a:sysClr>
+          </a:solidFill>
+          <a:ln w="25400" cap="rnd" cmpd="sng" algn="ctr">
+            <a:solidFill>
+              <a:srgbClr val="156082">
+                <a:shade val="15000"/>
+              </a:srgbClr>
+            </a:solidFill>
+            <a:prstDash val="solid"/>
+            <a:miter lim="800000"/>
+          </a:ln>
+          <a:effectLst/>
+        </p:spPr>
+        <p:txBody>
+          <a:bodyPr lIns="91440" tIns="45720" rIns="91440" bIns="45720" rtlCol="0" anchor="ctr"/>
+          <a:lstStyle/>
+          <a:p>
+            <a:pPr lvl="0" algn="ctr" defTabSz="326532">
+              <a:defRPr/>
+            </a:pPr>
+            <a:r>
+              <a:rPr lang="en-US" altLang="zh-CN" b="1" kern="0" dirty="0">
+                <a:solidFill>
+                  <a:prstClr val="black"/>
+                </a:solidFill>
+                <a:latin typeface="Calibri"/>
+                <a:cs typeface="Calibri"/>
+              </a:rPr>
+              <a:t>Test Plan Parser</a:t>
+            </a:r>
+            <a:endParaRPr lang="en-HK" altLang="zh-CN" b="1" kern="0" dirty="0">
+              <a:solidFill>
+                <a:prstClr val="black"/>
+              </a:solidFill>
+              <a:latin typeface="Calibri"/>
+              <a:ea typeface="等线"/>
+              <a:cs typeface="Calibri"/>
+            </a:endParaRPr>
+          </a:p>
+        </p:txBody>
+      </p:sp>
+      <p:pic>
+        <p:nvPicPr>
+          <p:cNvPr id="38" name="图片 37">
+            <a:extLst>
+              <a:ext uri="{FF2B5EF4-FFF2-40B4-BE49-F238E27FC236}">
+                <a16:creationId xmlns:a16="http://schemas.microsoft.com/office/drawing/2014/main" id="{DC2C9D0F-4569-BA1F-2B38-002E65A68571}"/>
+              </a:ext>
+            </a:extLst>
+          </p:cNvPr>
+          <p:cNvPicPr>
+            <a:picLocks noChangeAspect="1"/>
+          </p:cNvPicPr>
+          <p:nvPr/>
+        </p:nvPicPr>
+        <p:blipFill>
+          <a:blip r:embed="rId3">
+            <a:extLst>
+              <a:ext uri="{28A0092B-C50C-407E-A947-70E740481C1C}">
+                <a14:useLocalDpi xmlns:a14="http://schemas.microsoft.com/office/drawing/2010/main" val="0"/>
+              </a:ext>
+            </a:extLst>
+          </a:blip>
+          <a:stretch>
+            <a:fillRect/>
+          </a:stretch>
+        </p:blipFill>
+        <p:spPr>
+          <a:xfrm>
+            <a:off x="2456576" y="3713535"/>
+            <a:ext cx="614792" cy="614792"/>
+          </a:xfrm>
+          <a:prstGeom prst="rect">
+            <a:avLst/>
+          </a:prstGeom>
+        </p:spPr>
+      </p:pic>
+      <p:sp>
+        <p:nvSpPr>
+          <p:cNvPr id="39" name="矩形 38">
+            <a:extLst>
+              <a:ext uri="{FF2B5EF4-FFF2-40B4-BE49-F238E27FC236}">
+                <a16:creationId xmlns:a16="http://schemas.microsoft.com/office/drawing/2014/main" id="{C573A03F-978D-FBD8-058B-2474D0913791}"/>
+              </a:ext>
+            </a:extLst>
+          </p:cNvPr>
+          <p:cNvSpPr/>
+          <p:nvPr/>
+        </p:nvSpPr>
+        <p:spPr>
+          <a:xfrm>
+            <a:off x="8018915" y="1247911"/>
+            <a:ext cx="2722830" cy="2619513"/>
+          </a:xfrm>
+          <a:prstGeom prst="rect">
+            <a:avLst/>
+          </a:prstGeom>
         </p:spPr>
         <p:style>
-          <a:lnRef idx="0">
-            <a:schemeClr val="accent4"/>
+          <a:lnRef idx="1">
+            <a:schemeClr val="accent3"/>
           </a:lnRef>
-          <a:fillRef idx="3">
-            <a:schemeClr val="accent4"/>
+          <a:fillRef idx="2">
+            <a:schemeClr val="accent3"/>
           </a:fillRef>
-          <a:effectRef idx="3">
-            <a:schemeClr val="accent4"/>
+          <a:effectRef idx="1">
+            <a:schemeClr val="accent3"/>
           </a:effectRef>
           <a:fontRef idx="minor">
-            <a:schemeClr val="lt1"/>
+            <a:schemeClr val="dk1"/>
           </a:fontRef>
         </p:style>
         <p:txBody>
-          <a:bodyPr vert="horz" rtlCol="0" anchor="t"/>
-          <a:lstStyle/>
-          <a:p>
-            <a:pPr algn="ctr">
-              <a:lnSpc>
-                <a:spcPts val="2000"/>
-              </a:lnSpc>
-            </a:pPr>
+          <a:bodyPr rtlCol="0" anchor="t"/>
+          <a:lstStyle/>
+          <a:p>
+            <a:pPr algn="ctr"/>
             <a:r>
               <a:rPr lang="en-US" altLang="zh-CN" sz="2000" b="1" dirty="0">
-                <a:latin typeface="Consolas" panose="020B0609020204030204" pitchFamily="49" charset="0"/>
-                <a:cs typeface="Times New Roman" panose="02020603050405020304" pitchFamily="18" charset="0"/>
+                <a:latin typeface="Arial" panose="020B0604020202020204" pitchFamily="34" charset="0"/>
+                <a:cs typeface="Arial" panose="020B0604020202020204" pitchFamily="34" charset="0"/>
               </a:rPr>
-              <a:t>Task Unit</a:t>
+              <a:t>Play Mode</a:t>
             </a:r>
             <a:endParaRPr lang="zh-CN" altLang="en-US" sz="2000" b="1" dirty="0">
-              <a:latin typeface="Consolas" panose="020B0609020204030204" pitchFamily="49" charset="0"/>
-              <a:cs typeface="Times New Roman" panose="02020603050405020304" pitchFamily="18" charset="0"/>
+              <a:latin typeface="Arial" panose="020B0604020202020204" pitchFamily="34" charset="0"/>
+              <a:cs typeface="Arial" panose="020B0604020202020204" pitchFamily="34" charset="0"/>
             </a:endParaRPr>
           </a:p>
         </p:txBody>
       </p:sp>
       <p:sp>
         <p:nvSpPr>
-          <p:cNvPr id="8" name="矩形: 圆角 7">
-            <a:extLst>
-              <a:ext uri="{FF2B5EF4-FFF2-40B4-BE49-F238E27FC236}">
-                <a16:creationId xmlns:a16="http://schemas.microsoft.com/office/drawing/2014/main" id="{7FC3616C-7B6E-6417-2F10-102510C8D1EB}"/>
+          <p:cNvPr id="40" name="Rectangle: Rounded Corners 169">
+            <a:extLst>
+              <a:ext uri="{FF2B5EF4-FFF2-40B4-BE49-F238E27FC236}">
+                <a16:creationId xmlns:a16="http://schemas.microsoft.com/office/drawing/2014/main" id="{970FD2D5-A91F-4433-BA2F-277C4253046C}"/>
               </a:ext>
             </a:extLst>
           </p:cNvPr>
@@ -4075,666 +6247,168 @@
         </p:nvSpPr>
         <p:spPr>
           <a:xfrm>
-            <a:off x="5289830" y="2297044"/>
-            <a:ext cx="321983" cy="932070"/>
+            <a:off x="7388326" y="2636006"/>
+            <a:ext cx="1594669" cy="421335"/>
           </a:xfrm>
           <a:prstGeom prst="roundRect">
             <a:avLst/>
           </a:prstGeom>
+          <a:solidFill>
+            <a:sysClr val="window" lastClr="FFFFFF">
+              <a:lumMod val="85000"/>
+            </a:sysClr>
+          </a:solidFill>
+          <a:ln w="25400" cap="rnd" cmpd="sng" algn="ctr">
+            <a:solidFill>
+              <a:srgbClr val="156082">
+                <a:shade val="15000"/>
+              </a:srgbClr>
+            </a:solidFill>
+            <a:prstDash val="solid"/>
+            <a:miter lim="800000"/>
+          </a:ln>
+          <a:effectLst/>
         </p:spPr>
-        <p:style>
-          <a:lnRef idx="0">
-            <a:schemeClr val="accent4"/>
-          </a:lnRef>
-          <a:fillRef idx="3">
-            <a:schemeClr val="accent4"/>
-          </a:fillRef>
-          <a:effectRef idx="3">
-            <a:schemeClr val="accent4"/>
-          </a:effectRef>
-          <a:fontRef idx="minor">
-            <a:schemeClr val="lt1"/>
-          </a:fontRef>
-        </p:style>
-        <p:txBody>
-          <a:bodyPr vert="horz" rtlCol="0" anchor="t"/>
-          <a:lstStyle/>
-          <a:p>
-            <a:pPr algn="ctr">
-              <a:lnSpc>
-                <a:spcPts val="2000"/>
-              </a:lnSpc>
+        <p:txBody>
+          <a:bodyPr lIns="91440" tIns="45720" rIns="91440" bIns="45720" rtlCol="0" anchor="ctr"/>
+          <a:lstStyle/>
+          <a:p>
+            <a:pPr lvl="0" algn="ctr" defTabSz="326532">
+              <a:defRPr/>
             </a:pPr>
-            <a:endParaRPr lang="zh-CN" altLang="en-US" sz="2000" b="1" dirty="0">
-              <a:latin typeface="Consolas" panose="020B0609020204030204" pitchFamily="49" charset="0"/>
-              <a:cs typeface="Times New Roman" panose="02020603050405020304" pitchFamily="18" charset="0"/>
+            <a:r>
+              <a:rPr lang="en-US" altLang="zh-CN" b="1" kern="0" dirty="0">
+                <a:solidFill>
+                  <a:prstClr val="black"/>
+                </a:solidFill>
+                <a:latin typeface="Calibri"/>
+                <a:cs typeface="Calibri"/>
+              </a:rPr>
+              <a:t>ID Bridger</a:t>
+            </a:r>
+            <a:endParaRPr lang="en-HK" altLang="zh-CN" b="1" kern="0" dirty="0">
+              <a:solidFill>
+                <a:prstClr val="black"/>
+              </a:solidFill>
+              <a:latin typeface="Calibri"/>
+              <a:ea typeface="等线"/>
+              <a:cs typeface="Calibri"/>
             </a:endParaRPr>
           </a:p>
         </p:txBody>
       </p:sp>
-      <p:sp>
-        <p:nvSpPr>
-          <p:cNvPr id="9" name="矩形: 圆角 8">
-            <a:extLst>
-              <a:ext uri="{FF2B5EF4-FFF2-40B4-BE49-F238E27FC236}">
-                <a16:creationId xmlns:a16="http://schemas.microsoft.com/office/drawing/2014/main" id="{61D1B204-B9CA-B788-B740-FA231526C707}"/>
-              </a:ext>
-            </a:extLst>
-          </p:cNvPr>
-          <p:cNvSpPr/>
+      <p:pic>
+        <p:nvPicPr>
+          <p:cNvPr id="41" name="图片 40">
+            <a:extLst>
+              <a:ext uri="{FF2B5EF4-FFF2-40B4-BE49-F238E27FC236}">
+                <a16:creationId xmlns:a16="http://schemas.microsoft.com/office/drawing/2014/main" id="{1AC6BDBC-0A84-1A6E-C08C-9878FB9D384A}"/>
+              </a:ext>
+            </a:extLst>
+          </p:cNvPr>
+          <p:cNvPicPr>
+            <a:picLocks noChangeAspect="1"/>
+          </p:cNvPicPr>
           <p:nvPr/>
-        </p:nvSpPr>
+        </p:nvPicPr>
+        <p:blipFill>
+          <a:blip r:embed="rId4">
+            <a:extLst>
+              <a:ext uri="{28A0092B-C50C-407E-A947-70E740481C1C}">
+                <a14:useLocalDpi xmlns:a14="http://schemas.microsoft.com/office/drawing/2010/main" val="0"/>
+              </a:ext>
+            </a:extLst>
+          </a:blip>
+          <a:stretch>
+            <a:fillRect/>
+          </a:stretch>
+        </p:blipFill>
         <p:spPr>
           <a:xfrm>
-            <a:off x="5677180" y="2297044"/>
-            <a:ext cx="321983" cy="932070"/>
+            <a:off x="7459980" y="4232065"/>
+            <a:ext cx="609600" cy="609600"/>
           </a:xfrm>
-          <a:prstGeom prst="roundRect">
+          <a:prstGeom prst="rect">
             <a:avLst/>
           </a:prstGeom>
         </p:spPr>
-        <p:style>
-          <a:lnRef idx="0">
-            <a:schemeClr val="accent4"/>
-          </a:lnRef>
-          <a:fillRef idx="3">
-            <a:schemeClr val="accent4"/>
-          </a:fillRef>
-          <a:effectRef idx="3">
-            <a:schemeClr val="accent4"/>
-          </a:effectRef>
-          <a:fontRef idx="minor">
-            <a:schemeClr val="lt1"/>
-          </a:fontRef>
-        </p:style>
-        <p:txBody>
-          <a:bodyPr vert="horz" rtlCol="0" anchor="t"/>
-          <a:lstStyle/>
-          <a:p>
-            <a:pPr algn="ctr">
-              <a:lnSpc>
-                <a:spcPts val="2000"/>
-              </a:lnSpc>
-            </a:pPr>
-            <a:endParaRPr lang="zh-CN" altLang="en-US" sz="2000" b="1" dirty="0">
-              <a:latin typeface="Consolas" panose="020B0609020204030204" pitchFamily="49" charset="0"/>
-              <a:cs typeface="Times New Roman" panose="02020603050405020304" pitchFamily="18" charset="0"/>
-            </a:endParaRPr>
-          </a:p>
-        </p:txBody>
-      </p:sp>
-      <p:sp>
-        <p:nvSpPr>
-          <p:cNvPr id="10" name="矩形: 圆角 9">
-            <a:extLst>
-              <a:ext uri="{FF2B5EF4-FFF2-40B4-BE49-F238E27FC236}">
-                <a16:creationId xmlns:a16="http://schemas.microsoft.com/office/drawing/2014/main" id="{9057EC99-C40D-FFCF-4693-CFF53600CC31}"/>
-              </a:ext>
-            </a:extLst>
-          </p:cNvPr>
-          <p:cNvSpPr/>
+      </p:pic>
+      <p:pic>
+        <p:nvPicPr>
+          <p:cNvPr id="42" name="图片 41">
+            <a:extLst>
+              <a:ext uri="{FF2B5EF4-FFF2-40B4-BE49-F238E27FC236}">
+                <a16:creationId xmlns:a16="http://schemas.microsoft.com/office/drawing/2014/main" id="{555824A9-D480-2214-F9B1-D42B4FA3CF98}"/>
+              </a:ext>
+            </a:extLst>
+          </p:cNvPr>
+          <p:cNvPicPr>
+            <a:picLocks noChangeAspect="1"/>
+          </p:cNvPicPr>
           <p:nvPr/>
-        </p:nvSpPr>
+        </p:nvPicPr>
+        <p:blipFill>
+          <a:blip r:embed="rId5">
+            <a:extLst>
+              <a:ext uri="{28A0092B-C50C-407E-A947-70E740481C1C}">
+                <a14:useLocalDpi xmlns:a14="http://schemas.microsoft.com/office/drawing/2010/main" val="0"/>
+              </a:ext>
+            </a:extLst>
+          </a:blip>
+          <a:stretch>
+            <a:fillRect/>
+          </a:stretch>
+        </p:blipFill>
         <p:spPr>
           <a:xfrm>
-            <a:off x="6078538" y="2297044"/>
-            <a:ext cx="321983" cy="932070"/>
+            <a:off x="6468783" y="4170293"/>
+            <a:ext cx="733143" cy="733143"/>
           </a:xfrm>
-          <a:prstGeom prst="roundRect">
+          <a:prstGeom prst="rect">
             <a:avLst/>
           </a:prstGeom>
         </p:spPr>
-        <p:style>
-          <a:lnRef idx="0">
-            <a:schemeClr val="accent4"/>
-          </a:lnRef>
-          <a:fillRef idx="3">
-            <a:schemeClr val="accent4"/>
-          </a:fillRef>
-          <a:effectRef idx="3">
-            <a:schemeClr val="accent4"/>
-          </a:effectRef>
-          <a:fontRef idx="minor">
-            <a:schemeClr val="lt1"/>
-          </a:fontRef>
-        </p:style>
-        <p:txBody>
-          <a:bodyPr vert="horz" rtlCol="0" anchor="t"/>
-          <a:lstStyle/>
-          <a:p>
-            <a:pPr algn="ctr">
-              <a:lnSpc>
-                <a:spcPts val="2000"/>
-              </a:lnSpc>
-            </a:pPr>
-            <a:endParaRPr lang="zh-CN" altLang="en-US" sz="2000" b="1" dirty="0">
-              <a:latin typeface="Consolas" panose="020B0609020204030204" pitchFamily="49" charset="0"/>
-              <a:cs typeface="Times New Roman" panose="02020603050405020304" pitchFamily="18" charset="0"/>
-            </a:endParaRPr>
-          </a:p>
-        </p:txBody>
-      </p:sp>
-      <p:sp>
-        <p:nvSpPr>
-          <p:cNvPr id="11" name="矩形: 圆角 10">
-            <a:extLst>
-              <a:ext uri="{FF2B5EF4-FFF2-40B4-BE49-F238E27FC236}">
-                <a16:creationId xmlns:a16="http://schemas.microsoft.com/office/drawing/2014/main" id="{BF856F79-5F8C-3062-655E-61C51AC42F9A}"/>
-              </a:ext>
-            </a:extLst>
-          </p:cNvPr>
-          <p:cNvSpPr/>
+      </p:pic>
+      <p:pic>
+        <p:nvPicPr>
+          <p:cNvPr id="43" name="图片 42">
+            <a:extLst>
+              <a:ext uri="{FF2B5EF4-FFF2-40B4-BE49-F238E27FC236}">
+                <a16:creationId xmlns:a16="http://schemas.microsoft.com/office/drawing/2014/main" id="{A9F5928A-AD4B-B82A-21D6-E90A0CBAA674}"/>
+              </a:ext>
+            </a:extLst>
+          </p:cNvPr>
+          <p:cNvPicPr>
+            <a:picLocks noChangeAspect="1"/>
+          </p:cNvPicPr>
           <p:nvPr/>
-        </p:nvSpPr>
+        </p:nvPicPr>
+        <p:blipFill>
+          <a:blip r:embed="rId6">
+            <a:extLst>
+              <a:ext uri="{28A0092B-C50C-407E-A947-70E740481C1C}">
+                <a14:useLocalDpi xmlns:a14="http://schemas.microsoft.com/office/drawing/2010/main" val="0"/>
+              </a:ext>
+            </a:extLst>
+          </a:blip>
+          <a:stretch>
+            <a:fillRect/>
+          </a:stretch>
+        </p:blipFill>
         <p:spPr>
           <a:xfrm>
-            <a:off x="6465888" y="2297044"/>
-            <a:ext cx="321983" cy="932070"/>
+            <a:off x="1894857" y="1863094"/>
+            <a:ext cx="418575" cy="418575"/>
           </a:xfrm>
-          <a:prstGeom prst="roundRect">
+          <a:prstGeom prst="rect">
             <a:avLst/>
           </a:prstGeom>
         </p:spPr>
-        <p:style>
-          <a:lnRef idx="0">
-            <a:schemeClr val="accent4"/>
-          </a:lnRef>
-          <a:fillRef idx="3">
-            <a:schemeClr val="accent4"/>
-          </a:fillRef>
-          <a:effectRef idx="3">
-            <a:schemeClr val="accent4"/>
-          </a:effectRef>
-          <a:fontRef idx="minor">
-            <a:schemeClr val="lt1"/>
-          </a:fontRef>
-        </p:style>
-        <p:txBody>
-          <a:bodyPr vert="horz" rtlCol="0" anchor="t"/>
-          <a:lstStyle/>
-          <a:p>
-            <a:pPr algn="ctr">
-              <a:lnSpc>
-                <a:spcPts val="2000"/>
-              </a:lnSpc>
-            </a:pPr>
-            <a:endParaRPr lang="zh-CN" altLang="en-US" sz="2000" b="1" dirty="0">
-              <a:latin typeface="Consolas" panose="020B0609020204030204" pitchFamily="49" charset="0"/>
-              <a:cs typeface="Times New Roman" panose="02020603050405020304" pitchFamily="18" charset="0"/>
-            </a:endParaRPr>
-          </a:p>
-        </p:txBody>
-      </p:sp>
-      <p:sp>
-        <p:nvSpPr>
-          <p:cNvPr id="12" name="矩形: 圆角 11">
-            <a:extLst>
-              <a:ext uri="{FF2B5EF4-FFF2-40B4-BE49-F238E27FC236}">
-                <a16:creationId xmlns:a16="http://schemas.microsoft.com/office/drawing/2014/main" id="{014943CA-C592-F6DE-45E0-07A93049D499}"/>
-              </a:ext>
-            </a:extLst>
-          </p:cNvPr>
-          <p:cNvSpPr/>
-          <p:nvPr/>
-        </p:nvSpPr>
-        <p:spPr>
-          <a:xfrm>
-            <a:off x="2637186" y="2706759"/>
-            <a:ext cx="1510745" cy="404190"/>
-          </a:xfrm>
-          <a:prstGeom prst="roundRect">
-            <a:avLst/>
-          </a:prstGeom>
-        </p:spPr>
-        <p:style>
-          <a:lnRef idx="0">
-            <a:schemeClr val="accent6"/>
-          </a:lnRef>
-          <a:fillRef idx="3">
-            <a:schemeClr val="accent6"/>
-          </a:fillRef>
-          <a:effectRef idx="3">
-            <a:schemeClr val="accent6"/>
-          </a:effectRef>
-          <a:fontRef idx="minor">
-            <a:schemeClr val="lt1"/>
-          </a:fontRef>
-        </p:style>
-        <p:txBody>
-          <a:bodyPr vert="horz" rtlCol="0" anchor="t"/>
-          <a:lstStyle/>
-          <a:p>
-            <a:pPr algn="ctr">
-              <a:lnSpc>
-                <a:spcPts val="2000"/>
-              </a:lnSpc>
-            </a:pPr>
-            <a:r>
-              <a:rPr lang="en-US" altLang="zh-CN" sz="1600" b="1" dirty="0">
-                <a:latin typeface="Consolas" panose="020B0609020204030204" pitchFamily="49" charset="0"/>
-                <a:cs typeface="Times New Roman" panose="02020603050405020304" pitchFamily="18" charset="0"/>
-              </a:rPr>
-              <a:t>Action Unit</a:t>
-            </a:r>
-            <a:endParaRPr lang="zh-CN" altLang="en-US" sz="1600" b="1" dirty="0">
-              <a:latin typeface="Consolas" panose="020B0609020204030204" pitchFamily="49" charset="0"/>
-              <a:cs typeface="Times New Roman" panose="02020603050405020304" pitchFamily="18" charset="0"/>
-            </a:endParaRPr>
-          </a:p>
-        </p:txBody>
-      </p:sp>
-      <p:sp>
-        <p:nvSpPr>
-          <p:cNvPr id="13" name="矩形: 圆角 12">
-            <a:extLst>
-              <a:ext uri="{FF2B5EF4-FFF2-40B4-BE49-F238E27FC236}">
-                <a16:creationId xmlns:a16="http://schemas.microsoft.com/office/drawing/2014/main" id="{1B68E6F6-85DA-5F3B-F8E6-B12A0B95B386}"/>
-              </a:ext>
-            </a:extLst>
-          </p:cNvPr>
-          <p:cNvSpPr/>
-          <p:nvPr/>
-        </p:nvSpPr>
-        <p:spPr>
-          <a:xfrm flipH="1">
-            <a:off x="4213297" y="2706759"/>
-            <a:ext cx="170319" cy="404190"/>
-          </a:xfrm>
-          <a:prstGeom prst="roundRect">
-            <a:avLst/>
-          </a:prstGeom>
-        </p:spPr>
-        <p:style>
-          <a:lnRef idx="0">
-            <a:schemeClr val="accent6"/>
-          </a:lnRef>
-          <a:fillRef idx="3">
-            <a:schemeClr val="accent6"/>
-          </a:fillRef>
-          <a:effectRef idx="3">
-            <a:schemeClr val="accent6"/>
-          </a:effectRef>
-          <a:fontRef idx="minor">
-            <a:schemeClr val="lt1"/>
-          </a:fontRef>
-        </p:style>
-        <p:txBody>
-          <a:bodyPr vert="horz" rtlCol="0" anchor="t"/>
-          <a:lstStyle/>
-          <a:p>
-            <a:pPr algn="ctr">
-              <a:lnSpc>
-                <a:spcPts val="2000"/>
-              </a:lnSpc>
-            </a:pPr>
-            <a:endParaRPr lang="zh-CN" altLang="en-US" sz="1600" b="1" dirty="0">
-              <a:latin typeface="Consolas" panose="020B0609020204030204" pitchFamily="49" charset="0"/>
-              <a:cs typeface="Times New Roman" panose="02020603050405020304" pitchFamily="18" charset="0"/>
-            </a:endParaRPr>
-          </a:p>
-        </p:txBody>
-      </p:sp>
-      <p:sp>
-        <p:nvSpPr>
-          <p:cNvPr id="17" name="矩形: 圆角 16">
-            <a:extLst>
-              <a:ext uri="{FF2B5EF4-FFF2-40B4-BE49-F238E27FC236}">
-                <a16:creationId xmlns:a16="http://schemas.microsoft.com/office/drawing/2014/main" id="{A946226E-E74D-FD36-A49B-D66DF7AAF22C}"/>
-              </a:ext>
-            </a:extLst>
-          </p:cNvPr>
-          <p:cNvSpPr/>
-          <p:nvPr/>
-        </p:nvSpPr>
-        <p:spPr>
-          <a:xfrm flipH="1">
-            <a:off x="4431314" y="2706759"/>
-            <a:ext cx="170319" cy="404190"/>
-          </a:xfrm>
-          <a:prstGeom prst="roundRect">
-            <a:avLst/>
-          </a:prstGeom>
-        </p:spPr>
-        <p:style>
-          <a:lnRef idx="0">
-            <a:schemeClr val="accent6"/>
-          </a:lnRef>
-          <a:fillRef idx="3">
-            <a:schemeClr val="accent6"/>
-          </a:fillRef>
-          <a:effectRef idx="3">
-            <a:schemeClr val="accent6"/>
-          </a:effectRef>
-          <a:fontRef idx="minor">
-            <a:schemeClr val="lt1"/>
-          </a:fontRef>
-        </p:style>
-        <p:txBody>
-          <a:bodyPr vert="horz" rtlCol="0" anchor="t"/>
-          <a:lstStyle/>
-          <a:p>
-            <a:pPr algn="ctr">
-              <a:lnSpc>
-                <a:spcPts val="2000"/>
-              </a:lnSpc>
-            </a:pPr>
-            <a:endParaRPr lang="zh-CN" altLang="en-US" sz="1600" b="1" dirty="0">
-              <a:latin typeface="Consolas" panose="020B0609020204030204" pitchFamily="49" charset="0"/>
-              <a:cs typeface="Times New Roman" panose="02020603050405020304" pitchFamily="18" charset="0"/>
-            </a:endParaRPr>
-          </a:p>
-        </p:txBody>
-      </p:sp>
-      <p:sp>
-        <p:nvSpPr>
-          <p:cNvPr id="18" name="矩形: 圆角 17">
-            <a:extLst>
-              <a:ext uri="{FF2B5EF4-FFF2-40B4-BE49-F238E27FC236}">
-                <a16:creationId xmlns:a16="http://schemas.microsoft.com/office/drawing/2014/main" id="{B648DB6C-1F63-9C47-813B-68085A6D490C}"/>
-              </a:ext>
-            </a:extLst>
-          </p:cNvPr>
-          <p:cNvSpPr/>
-          <p:nvPr/>
-        </p:nvSpPr>
-        <p:spPr>
-          <a:xfrm flipH="1">
-            <a:off x="4649331" y="2706759"/>
-            <a:ext cx="170319" cy="404190"/>
-          </a:xfrm>
-          <a:prstGeom prst="roundRect">
-            <a:avLst/>
-          </a:prstGeom>
-        </p:spPr>
-        <p:style>
-          <a:lnRef idx="0">
-            <a:schemeClr val="accent6"/>
-          </a:lnRef>
-          <a:fillRef idx="3">
-            <a:schemeClr val="accent6"/>
-          </a:fillRef>
-          <a:effectRef idx="3">
-            <a:schemeClr val="accent6"/>
-          </a:effectRef>
-          <a:fontRef idx="minor">
-            <a:schemeClr val="lt1"/>
-          </a:fontRef>
-        </p:style>
-        <p:txBody>
-          <a:bodyPr vert="horz" rtlCol="0" anchor="t"/>
-          <a:lstStyle/>
-          <a:p>
-            <a:pPr algn="ctr">
-              <a:lnSpc>
-                <a:spcPts val="2000"/>
-              </a:lnSpc>
-            </a:pPr>
-            <a:endParaRPr lang="zh-CN" altLang="en-US" sz="1600" b="1" dirty="0">
-              <a:latin typeface="Consolas" panose="020B0609020204030204" pitchFamily="49" charset="0"/>
-              <a:cs typeface="Times New Roman" panose="02020603050405020304" pitchFamily="18" charset="0"/>
-            </a:endParaRPr>
-          </a:p>
-        </p:txBody>
-      </p:sp>
-      <p:sp>
-        <p:nvSpPr>
-          <p:cNvPr id="19" name="矩形: 圆角 18">
-            <a:extLst>
-              <a:ext uri="{FF2B5EF4-FFF2-40B4-BE49-F238E27FC236}">
-                <a16:creationId xmlns:a16="http://schemas.microsoft.com/office/drawing/2014/main" id="{32A638A8-6817-B87F-94B0-7F7948335056}"/>
-              </a:ext>
-            </a:extLst>
-          </p:cNvPr>
-          <p:cNvSpPr/>
-          <p:nvPr/>
-        </p:nvSpPr>
-        <p:spPr>
-          <a:xfrm flipH="1">
-            <a:off x="4867348" y="2706759"/>
-            <a:ext cx="170319" cy="404190"/>
-          </a:xfrm>
-          <a:prstGeom prst="roundRect">
-            <a:avLst/>
-          </a:prstGeom>
-        </p:spPr>
-        <p:style>
-          <a:lnRef idx="0">
-            <a:schemeClr val="accent6"/>
-          </a:lnRef>
-          <a:fillRef idx="3">
-            <a:schemeClr val="accent6"/>
-          </a:fillRef>
-          <a:effectRef idx="3">
-            <a:schemeClr val="accent6"/>
-          </a:effectRef>
-          <a:fontRef idx="minor">
-            <a:schemeClr val="lt1"/>
-          </a:fontRef>
-        </p:style>
-        <p:txBody>
-          <a:bodyPr vert="horz" rtlCol="0" anchor="t"/>
-          <a:lstStyle/>
-          <a:p>
-            <a:pPr algn="ctr">
-              <a:lnSpc>
-                <a:spcPts val="2000"/>
-              </a:lnSpc>
-            </a:pPr>
-            <a:endParaRPr lang="zh-CN" altLang="en-US" sz="1600" b="1" dirty="0">
-              <a:latin typeface="Consolas" panose="020B0609020204030204" pitchFamily="49" charset="0"/>
-              <a:cs typeface="Times New Roman" panose="02020603050405020304" pitchFamily="18" charset="0"/>
-            </a:endParaRPr>
-          </a:p>
-        </p:txBody>
-      </p:sp>
-      <p:sp>
-        <p:nvSpPr>
-          <p:cNvPr id="2" name="矩形: 圆角 1">
-            <a:extLst>
-              <a:ext uri="{FF2B5EF4-FFF2-40B4-BE49-F238E27FC236}">
-                <a16:creationId xmlns:a16="http://schemas.microsoft.com/office/drawing/2014/main" id="{EB0EB0A3-E6BD-E7DE-D9BA-6BC747AF539E}"/>
-              </a:ext>
-            </a:extLst>
-          </p:cNvPr>
-          <p:cNvSpPr/>
-          <p:nvPr/>
-        </p:nvSpPr>
-        <p:spPr>
-          <a:xfrm flipH="1">
-            <a:off x="3262676" y="3974481"/>
-            <a:ext cx="170319" cy="404190"/>
-          </a:xfrm>
-          <a:prstGeom prst="roundRect">
-            <a:avLst/>
-          </a:prstGeom>
-        </p:spPr>
-        <p:style>
-          <a:lnRef idx="0">
-            <a:schemeClr val="accent6"/>
-          </a:lnRef>
-          <a:fillRef idx="3">
-            <a:schemeClr val="accent6"/>
-          </a:fillRef>
-          <a:effectRef idx="3">
-            <a:schemeClr val="accent6"/>
-          </a:effectRef>
-          <a:fontRef idx="minor">
-            <a:schemeClr val="lt1"/>
-          </a:fontRef>
-        </p:style>
-        <p:txBody>
-          <a:bodyPr vert="horz" rtlCol="0" anchor="t"/>
-          <a:lstStyle/>
-          <a:p>
-            <a:pPr algn="ctr">
-              <a:lnSpc>
-                <a:spcPts val="2000"/>
-              </a:lnSpc>
-            </a:pPr>
-            <a:endParaRPr lang="zh-CN" altLang="en-US" sz="1600" b="1" dirty="0">
-              <a:latin typeface="Consolas" panose="020B0609020204030204" pitchFamily="49" charset="0"/>
-              <a:cs typeface="Times New Roman" panose="02020603050405020304" pitchFamily="18" charset="0"/>
-            </a:endParaRPr>
-          </a:p>
-        </p:txBody>
-      </p:sp>
-      <p:sp>
-        <p:nvSpPr>
-          <p:cNvPr id="3" name="矩形: 圆角 2">
-            <a:extLst>
-              <a:ext uri="{FF2B5EF4-FFF2-40B4-BE49-F238E27FC236}">
-                <a16:creationId xmlns:a16="http://schemas.microsoft.com/office/drawing/2014/main" id="{890AF427-66C6-20B9-E3E9-DB239DB2D33E}"/>
-              </a:ext>
-            </a:extLst>
-          </p:cNvPr>
-          <p:cNvSpPr/>
-          <p:nvPr/>
-        </p:nvSpPr>
-        <p:spPr>
-          <a:xfrm flipH="1">
-            <a:off x="3480693" y="3974481"/>
-            <a:ext cx="170319" cy="404190"/>
-          </a:xfrm>
-          <a:prstGeom prst="roundRect">
-            <a:avLst/>
-          </a:prstGeom>
-        </p:spPr>
-        <p:style>
-          <a:lnRef idx="0">
-            <a:schemeClr val="accent6"/>
-          </a:lnRef>
-          <a:fillRef idx="3">
-            <a:schemeClr val="accent6"/>
-          </a:fillRef>
-          <a:effectRef idx="3">
-            <a:schemeClr val="accent6"/>
-          </a:effectRef>
-          <a:fontRef idx="minor">
-            <a:schemeClr val="lt1"/>
-          </a:fontRef>
-        </p:style>
-        <p:txBody>
-          <a:bodyPr vert="horz" rtlCol="0" anchor="t"/>
-          <a:lstStyle/>
-          <a:p>
-            <a:pPr algn="ctr">
-              <a:lnSpc>
-                <a:spcPts val="2000"/>
-              </a:lnSpc>
-            </a:pPr>
-            <a:endParaRPr lang="zh-CN" altLang="en-US" sz="1600" b="1" dirty="0">
-              <a:latin typeface="Consolas" panose="020B0609020204030204" pitchFamily="49" charset="0"/>
-              <a:cs typeface="Times New Roman" panose="02020603050405020304" pitchFamily="18" charset="0"/>
-            </a:endParaRPr>
-          </a:p>
-        </p:txBody>
-      </p:sp>
-      <p:sp>
-        <p:nvSpPr>
-          <p:cNvPr id="5" name="矩形: 圆角 4">
-            <a:extLst>
-              <a:ext uri="{FF2B5EF4-FFF2-40B4-BE49-F238E27FC236}">
-                <a16:creationId xmlns:a16="http://schemas.microsoft.com/office/drawing/2014/main" id="{7F5B0962-CF70-9A9D-47FA-01A1D8C2DC26}"/>
-              </a:ext>
-            </a:extLst>
-          </p:cNvPr>
-          <p:cNvSpPr/>
-          <p:nvPr/>
-        </p:nvSpPr>
-        <p:spPr>
-          <a:xfrm flipH="1">
-            <a:off x="3698710" y="3974481"/>
-            <a:ext cx="170319" cy="404190"/>
-          </a:xfrm>
-          <a:prstGeom prst="roundRect">
-            <a:avLst/>
-          </a:prstGeom>
-        </p:spPr>
-        <p:style>
-          <a:lnRef idx="0">
-            <a:schemeClr val="accent6"/>
-          </a:lnRef>
-          <a:fillRef idx="3">
-            <a:schemeClr val="accent6"/>
-          </a:fillRef>
-          <a:effectRef idx="3">
-            <a:schemeClr val="accent6"/>
-          </a:effectRef>
-          <a:fontRef idx="minor">
-            <a:schemeClr val="lt1"/>
-          </a:fontRef>
-        </p:style>
-        <p:txBody>
-          <a:bodyPr vert="horz" rtlCol="0" anchor="t"/>
-          <a:lstStyle/>
-          <a:p>
-            <a:pPr algn="ctr">
-              <a:lnSpc>
-                <a:spcPts val="2000"/>
-              </a:lnSpc>
-            </a:pPr>
-            <a:endParaRPr lang="zh-CN" altLang="en-US" sz="1600" b="1" dirty="0">
-              <a:latin typeface="Consolas" panose="020B0609020204030204" pitchFamily="49" charset="0"/>
-              <a:cs typeface="Times New Roman" panose="02020603050405020304" pitchFamily="18" charset="0"/>
-            </a:endParaRPr>
-          </a:p>
-        </p:txBody>
-      </p:sp>
-      <p:sp>
-        <p:nvSpPr>
-          <p:cNvPr id="6" name="矩形: 圆角 5">
-            <a:extLst>
-              <a:ext uri="{FF2B5EF4-FFF2-40B4-BE49-F238E27FC236}">
-                <a16:creationId xmlns:a16="http://schemas.microsoft.com/office/drawing/2014/main" id="{B222F800-4BB2-58E9-8ACA-B5BD12961C91}"/>
-              </a:ext>
-            </a:extLst>
-          </p:cNvPr>
-          <p:cNvSpPr/>
-          <p:nvPr/>
-        </p:nvSpPr>
-        <p:spPr>
-          <a:xfrm flipH="1">
-            <a:off x="3916727" y="3974481"/>
-            <a:ext cx="170319" cy="404190"/>
-          </a:xfrm>
-          <a:prstGeom prst="roundRect">
-            <a:avLst/>
-          </a:prstGeom>
-        </p:spPr>
-        <p:style>
-          <a:lnRef idx="0">
-            <a:schemeClr val="accent6"/>
-          </a:lnRef>
-          <a:fillRef idx="3">
-            <a:schemeClr val="accent6"/>
-          </a:fillRef>
-          <a:effectRef idx="3">
-            <a:schemeClr val="accent6"/>
-          </a:effectRef>
-          <a:fontRef idx="minor">
-            <a:schemeClr val="lt1"/>
-          </a:fontRef>
-        </p:style>
-        <p:txBody>
-          <a:bodyPr vert="horz" rtlCol="0" anchor="t"/>
-          <a:lstStyle/>
-          <a:p>
-            <a:pPr algn="ctr">
-              <a:lnSpc>
-                <a:spcPts val="2000"/>
-              </a:lnSpc>
-            </a:pPr>
-            <a:endParaRPr lang="zh-CN" altLang="en-US" sz="1600" b="1" dirty="0">
-              <a:latin typeface="Consolas" panose="020B0609020204030204" pitchFamily="49" charset="0"/>
-              <a:cs typeface="Times New Roman" panose="02020603050405020304" pitchFamily="18" charset="0"/>
-            </a:endParaRPr>
-          </a:p>
-        </p:txBody>
-      </p:sp>
+      </p:pic>
     </p:spTree>
     <p:extLst>
       <p:ext uri="{BB962C8B-B14F-4D97-AF65-F5344CB8AC3E}">
-        <p14:creationId xmlns:p14="http://schemas.microsoft.com/office/powerpoint/2010/main" val="2727936735"/>
+        <p14:creationId xmlns:p14="http://schemas.microsoft.com/office/powerpoint/2010/main" val="54151939"/>
       </p:ext>
     </p:extLst>
   </p:cSld>
